--- a/.documentation/files/Modelling.pptx
+++ b/.documentation/files/Modelling.pptx
@@ -6,6 +6,7 @@
   </p:sldMasterIdLst>
   <p:sldIdLst>
     <p:sldId id="256" r:id="rId2"/>
+    <p:sldId id="257" r:id="rId3"/>
   </p:sldIdLst>
   <p:sldSz cx="12192000" cy="6858000"/>
   <p:notesSz cx="6858000" cy="9144000"/>
@@ -104,7 +105,24 @@
       </a:defRPr>
     </a:lvl9pPr>
   </p:defaultTextStyle>
+  <p:extLst>
+    <p:ext uri="{EFAFB233-063F-42B5-8137-9DF3F51BA10A}">
+      <p15:sldGuideLst xmlns:p15="http://schemas.microsoft.com/office/powerpoint/2012/main"/>
+    </p:ext>
+  </p:extLst>
 </p:presentation>
+</file>
+
+<file path=ppt/commentAuthors.xml><?xml version="1.0" encoding="utf-8"?>
+<p:cmAuthorLst xmlns:a="http://schemas.openxmlformats.org/drawingml/2006/main" xmlns:r="http://schemas.openxmlformats.org/officeDocument/2006/relationships" xmlns:p="http://schemas.openxmlformats.org/presentationml/2006/main">
+  <p:cmAuthor id="1" name="Felix Steinke" initials="FS" lastIdx="1" clrIdx="0">
+    <p:extLst>
+      <p:ext uri="{19B8F6BF-5375-455C-9EA6-DF929625EA0E}">
+        <p15:presenceInfo xmlns:p15="http://schemas.microsoft.com/office/powerpoint/2012/main" userId="2dae7a4e8c26e50a" providerId="Windows Live"/>
+      </p:ext>
+    </p:extLst>
+  </p:cmAuthor>
+</p:cmAuthorLst>
 </file>
 
 <file path=ppt/slideLayouts/slideLayout1.xml><?xml version="1.0" encoding="utf-8"?>
@@ -3335,7 +3353,7 @@
         </p:nvSpPr>
         <p:spPr>
           <a:xfrm>
-            <a:off x="462390" y="194356"/>
+            <a:off x="462390" y="823006"/>
             <a:ext cx="1709255" cy="3165293"/>
           </a:xfrm>
           <a:prstGeom prst="rect">
@@ -3450,7 +3468,7 @@
         </p:nvSpPr>
         <p:spPr>
           <a:xfrm>
-            <a:off x="6666216" y="194356"/>
+            <a:off x="6666216" y="823006"/>
             <a:ext cx="1709255" cy="3165292"/>
           </a:xfrm>
           <a:prstGeom prst="rect">
@@ -3549,7 +3567,7 @@
         </p:nvSpPr>
         <p:spPr>
           <a:xfrm>
-            <a:off x="3199526" y="890058"/>
+            <a:off x="3199526" y="1518708"/>
             <a:ext cx="2326259" cy="1773886"/>
           </a:xfrm>
           <a:prstGeom prst="rect">
@@ -3636,7 +3654,7 @@
         </p:nvSpPr>
         <p:spPr>
           <a:xfrm>
-            <a:off x="9403351" y="1260261"/>
+            <a:off x="9403351" y="1888911"/>
             <a:ext cx="2326259" cy="1033481"/>
           </a:xfrm>
           <a:prstGeom prst="rect">
@@ -3704,7 +3722,7 @@
         </p:nvSpPr>
         <p:spPr>
           <a:xfrm>
-            <a:off x="3199526" y="4276617"/>
+            <a:off x="3199526" y="4905267"/>
             <a:ext cx="2326259" cy="1732546"/>
           </a:xfrm>
           <a:prstGeom prst="rect">
@@ -3791,7 +3809,7 @@
         </p:nvSpPr>
         <p:spPr>
           <a:xfrm>
-            <a:off x="462390" y="4276617"/>
+            <a:off x="462390" y="4905267"/>
             <a:ext cx="2326259" cy="1466618"/>
           </a:xfrm>
           <a:prstGeom prst="rect">
@@ -3862,6 +3880,7 @@
             </a:extLst>
           </p:cNvPr>
           <p:cNvCxnSpPr>
+            <a:cxnSpLocks/>
             <a:stCxn id="6" idx="1"/>
             <a:endCxn id="4" idx="3"/>
           </p:cNvCxnSpPr>
@@ -3869,7 +3888,7 @@
         </p:nvCxnSpPr>
         <p:spPr>
           <a:xfrm flipH="1">
-            <a:off x="2171645" y="1777001"/>
+            <a:off x="2171645" y="2405651"/>
             <a:ext cx="1027881" cy="2"/>
           </a:xfrm>
           <a:prstGeom prst="straightConnector1">
@@ -3911,7 +3930,7 @@
         </p:nvCxnSpPr>
         <p:spPr>
           <a:xfrm>
-            <a:off x="5525785" y="1777001"/>
+            <a:off x="5525785" y="2405651"/>
             <a:ext cx="1140431" cy="1"/>
           </a:xfrm>
           <a:prstGeom prst="straightConnector1">
@@ -3953,7 +3972,7 @@
         </p:nvCxnSpPr>
         <p:spPr>
           <a:xfrm flipH="1">
-            <a:off x="8375471" y="1777002"/>
+            <a:off x="8375471" y="2405652"/>
             <a:ext cx="1027880" cy="0"/>
           </a:xfrm>
           <a:prstGeom prst="straightConnector1">
@@ -3988,6 +4007,7 @@
             </a:extLst>
           </p:cNvPr>
           <p:cNvCxnSpPr>
+            <a:cxnSpLocks/>
             <a:stCxn id="4" idx="2"/>
             <a:endCxn id="9" idx="0"/>
           </p:cNvCxnSpPr>
@@ -3995,7 +4015,7 @@
         </p:nvCxnSpPr>
         <p:spPr>
           <a:xfrm rot="16200000" flipH="1">
-            <a:off x="1012785" y="3663882"/>
+            <a:off x="1012785" y="4292532"/>
             <a:ext cx="916968" cy="308502"/>
           </a:xfrm>
           <a:prstGeom prst="bentConnector3">
@@ -4040,7 +4060,7 @@
         </p:nvCxnSpPr>
         <p:spPr>
           <a:xfrm rot="16200000" flipH="1">
-            <a:off x="2381353" y="2295314"/>
+            <a:off x="2381353" y="2923964"/>
             <a:ext cx="916968" cy="3045638"/>
           </a:xfrm>
           <a:prstGeom prst="bentConnector3">
@@ -4081,7 +4101,7 @@
         </p:nvSpPr>
         <p:spPr>
           <a:xfrm>
-            <a:off x="2244904" y="1388797"/>
+            <a:off x="2244904" y="2017447"/>
             <a:ext cx="928472" cy="369332"/>
           </a:xfrm>
           <a:prstGeom prst="rect">
@@ -4116,7 +4136,7 @@
         </p:nvSpPr>
         <p:spPr>
           <a:xfrm>
-            <a:off x="5584975" y="1407669"/>
+            <a:off x="5584975" y="2036319"/>
             <a:ext cx="968689" cy="369332"/>
           </a:xfrm>
           <a:prstGeom prst="rect">
@@ -4151,7 +4171,7 @@
         </p:nvSpPr>
         <p:spPr>
           <a:xfrm>
-            <a:off x="8426756" y="1407669"/>
+            <a:off x="8426756" y="2036319"/>
             <a:ext cx="928472" cy="369332"/>
           </a:xfrm>
           <a:prstGeom prst="rect">
@@ -4186,7 +4206,7 @@
         </p:nvSpPr>
         <p:spPr>
           <a:xfrm>
-            <a:off x="1638044" y="3898931"/>
+            <a:off x="1638044" y="4527581"/>
             <a:ext cx="308503" cy="369332"/>
           </a:xfrm>
           <a:prstGeom prst="rect">
@@ -4221,7 +4241,7 @@
         </p:nvSpPr>
         <p:spPr>
           <a:xfrm>
-            <a:off x="1159433" y="3512048"/>
+            <a:off x="1159433" y="4140698"/>
             <a:ext cx="308503" cy="369332"/>
           </a:xfrm>
           <a:prstGeom prst="rect">
@@ -4256,7 +4276,7 @@
         </p:nvSpPr>
         <p:spPr>
           <a:xfrm>
-            <a:off x="4391176" y="3907285"/>
+            <a:off x="4391176" y="4535935"/>
             <a:ext cx="308503" cy="369332"/>
           </a:xfrm>
           <a:prstGeom prst="rect">
@@ -4277,10 +4297,941 @@
           </a:p>
         </p:txBody>
       </p:sp>
+      <p:sp>
+        <p:nvSpPr>
+          <p:cNvPr id="2" name="Textfeld 1">
+            <a:extLst>
+              <a:ext uri="{FF2B5EF4-FFF2-40B4-BE49-F238E27FC236}">
+                <a16:creationId xmlns:a16="http://schemas.microsoft.com/office/drawing/2014/main" id="{3E771BC5-620C-49A2-BCE7-3B9B813A4013}"/>
+              </a:ext>
+            </a:extLst>
+          </p:cNvPr>
+          <p:cNvSpPr txBox="1"/>
+          <p:nvPr/>
+        </p:nvSpPr>
+        <p:spPr>
+          <a:xfrm>
+            <a:off x="460525" y="114301"/>
+            <a:ext cx="5124450" cy="461665"/>
+          </a:xfrm>
+          <a:prstGeom prst="rect">
+            <a:avLst/>
+          </a:prstGeom>
+          <a:noFill/>
+        </p:spPr>
+        <p:txBody>
+          <a:bodyPr wrap="square" rtlCol="0">
+            <a:spAutoFit/>
+          </a:bodyPr>
+          <a:lstStyle/>
+          <a:p>
+            <a:r>
+              <a:rPr lang="de-DE" sz="2400" b="1" u="sng" dirty="0"/>
+              <a:t>Entities:</a:t>
+            </a:r>
+          </a:p>
+        </p:txBody>
+      </p:sp>
     </p:spTree>
     <p:extLst>
       <p:ext uri="{BB962C8B-B14F-4D97-AF65-F5344CB8AC3E}">
         <p14:creationId xmlns:p14="http://schemas.microsoft.com/office/powerpoint/2010/main" val="3981649405"/>
+      </p:ext>
+    </p:extLst>
+  </p:cSld>
+  <p:clrMapOvr>
+    <a:masterClrMapping/>
+  </p:clrMapOvr>
+</p:sld>
+</file>
+
+<file path=ppt/slides/slide2.xml><?xml version="1.0" encoding="utf-8"?>
+<p:sld xmlns:a="http://schemas.openxmlformats.org/drawingml/2006/main" xmlns:r="http://schemas.openxmlformats.org/officeDocument/2006/relationships" xmlns:p="http://schemas.openxmlformats.org/presentationml/2006/main">
+  <p:cSld>
+    <p:spTree>
+      <p:nvGrpSpPr>
+        <p:cNvPr id="1" name=""/>
+        <p:cNvGrpSpPr/>
+        <p:nvPr/>
+      </p:nvGrpSpPr>
+      <p:grpSpPr>
+        <a:xfrm>
+          <a:off x="0" y="0"/>
+          <a:ext cx="0" cy="0"/>
+          <a:chOff x="0" y="0"/>
+          <a:chExt cx="0" cy="0"/>
+        </a:xfrm>
+      </p:grpSpPr>
+      <p:sp>
+        <p:nvSpPr>
+          <p:cNvPr id="4" name="Rechteck 3">
+            <a:extLst>
+              <a:ext uri="{FF2B5EF4-FFF2-40B4-BE49-F238E27FC236}">
+                <a16:creationId xmlns:a16="http://schemas.microsoft.com/office/drawing/2014/main" id="{97163C24-7A26-4A57-8412-68F37FF0E2FB}"/>
+              </a:ext>
+            </a:extLst>
+          </p:cNvPr>
+          <p:cNvSpPr/>
+          <p:nvPr/>
+        </p:nvSpPr>
+        <p:spPr>
+          <a:xfrm>
+            <a:off x="416754" y="704920"/>
+            <a:ext cx="1709255" cy="4472894"/>
+          </a:xfrm>
+          <a:prstGeom prst="rect">
+            <a:avLst/>
+          </a:prstGeom>
+        </p:spPr>
+        <p:style>
+          <a:lnRef idx="1">
+            <a:schemeClr val="accent3"/>
+          </a:lnRef>
+          <a:fillRef idx="2">
+            <a:schemeClr val="accent3"/>
+          </a:fillRef>
+          <a:effectRef idx="1">
+            <a:schemeClr val="accent3"/>
+          </a:effectRef>
+          <a:fontRef idx="minor">
+            <a:schemeClr val="dk1"/>
+          </a:fontRef>
+        </p:style>
+        <p:txBody>
+          <a:bodyPr rtlCol="0" anchor="ctr"/>
+          <a:lstStyle/>
+          <a:p>
+            <a:pPr algn="ctr"/>
+            <a:r>
+              <a:rPr lang="de-DE" sz="2000" b="1" u="sng" dirty="0"/>
+              <a:t>Product</a:t>
+            </a:r>
+          </a:p>
+          <a:p>
+            <a:pPr algn="ctr"/>
+            <a:endParaRPr lang="de-DE" dirty="0"/>
+          </a:p>
+          <a:p>
+            <a:pPr algn="ctr"/>
+            <a:r>
+              <a:rPr lang="de-DE" dirty="0"/>
+              <a:t>Name</a:t>
+            </a:r>
+            <a:endParaRPr lang="de-DE" b="1" dirty="0"/>
+          </a:p>
+          <a:p>
+            <a:pPr algn="ctr"/>
+            <a:r>
+              <a:rPr lang="de-DE" dirty="0" err="1"/>
+              <a:t>Category</a:t>
+            </a:r>
+            <a:endParaRPr lang="de-DE" dirty="0"/>
+          </a:p>
+          <a:p>
+            <a:pPr algn="ctr"/>
+            <a:r>
+              <a:rPr lang="de-DE" dirty="0" err="1"/>
+              <a:t>Package_Gram</a:t>
+            </a:r>
+            <a:endParaRPr lang="de-DE" dirty="0"/>
+          </a:p>
+          <a:p>
+            <a:pPr algn="ctr"/>
+            <a:r>
+              <a:rPr lang="de-DE" dirty="0"/>
+              <a:t>Kcal</a:t>
+            </a:r>
+          </a:p>
+          <a:p>
+            <a:pPr algn="ctr"/>
+            <a:r>
+              <a:rPr lang="de-DE" dirty="0" err="1"/>
+              <a:t>Carbohydrates</a:t>
+            </a:r>
+            <a:endParaRPr lang="de-DE" dirty="0"/>
+          </a:p>
+          <a:p>
+            <a:pPr algn="ctr"/>
+            <a:r>
+              <a:rPr lang="de-DE" dirty="0"/>
+              <a:t>Protein</a:t>
+            </a:r>
+          </a:p>
+          <a:p>
+            <a:pPr algn="ctr"/>
+            <a:r>
+              <a:rPr lang="de-DE" dirty="0" err="1"/>
+              <a:t>Fat</a:t>
+            </a:r>
+            <a:endParaRPr lang="de-DE" dirty="0"/>
+          </a:p>
+          <a:p>
+            <a:pPr algn="ctr"/>
+            <a:r>
+              <a:rPr lang="de-DE" dirty="0"/>
+              <a:t>Unit</a:t>
+            </a:r>
+          </a:p>
+          <a:p>
+            <a:pPr algn="ctr"/>
+            <a:r>
+              <a:rPr lang="de-DE" dirty="0"/>
+              <a:t>---------------------</a:t>
+            </a:r>
+          </a:p>
+          <a:p>
+            <a:pPr algn="ctr"/>
+            <a:r>
+              <a:rPr lang="de-DE" dirty="0"/>
+              <a:t>Add()</a:t>
+            </a:r>
+          </a:p>
+          <a:p>
+            <a:pPr algn="ctr"/>
+            <a:r>
+              <a:rPr lang="de-DE" dirty="0"/>
+              <a:t>Remove()</a:t>
+            </a:r>
+          </a:p>
+          <a:p>
+            <a:pPr algn="ctr"/>
+            <a:r>
+              <a:rPr lang="de-DE" dirty="0"/>
+              <a:t>Update()</a:t>
+            </a:r>
+          </a:p>
+          <a:p>
+            <a:pPr algn="ctr"/>
+            <a:r>
+              <a:rPr lang="de-DE" dirty="0" err="1"/>
+              <a:t>Get</a:t>
+            </a:r>
+            <a:r>
+              <a:rPr lang="de-DE" dirty="0"/>
+              <a:t>(Name)</a:t>
+            </a:r>
+          </a:p>
+          <a:p>
+            <a:pPr algn="ctr"/>
+            <a:r>
+              <a:rPr lang="de-DE" dirty="0" err="1"/>
+              <a:t>GetAll</a:t>
+            </a:r>
+            <a:r>
+              <a:rPr lang="de-DE" dirty="0"/>
+              <a:t>()</a:t>
+            </a:r>
+          </a:p>
+        </p:txBody>
+      </p:sp>
+      <p:sp>
+        <p:nvSpPr>
+          <p:cNvPr id="5" name="Rechteck 4">
+            <a:extLst>
+              <a:ext uri="{FF2B5EF4-FFF2-40B4-BE49-F238E27FC236}">
+                <a16:creationId xmlns:a16="http://schemas.microsoft.com/office/drawing/2014/main" id="{1A0231EC-EDA9-4FFC-A533-6837B28A5CFE}"/>
+              </a:ext>
+            </a:extLst>
+          </p:cNvPr>
+          <p:cNvSpPr/>
+          <p:nvPr/>
+        </p:nvSpPr>
+        <p:spPr>
+          <a:xfrm>
+            <a:off x="6904413" y="703037"/>
+            <a:ext cx="2439684" cy="4196669"/>
+          </a:xfrm>
+          <a:prstGeom prst="rect">
+            <a:avLst/>
+          </a:prstGeom>
+        </p:spPr>
+        <p:style>
+          <a:lnRef idx="1">
+            <a:schemeClr val="accent3"/>
+          </a:lnRef>
+          <a:fillRef idx="2">
+            <a:schemeClr val="accent3"/>
+          </a:fillRef>
+          <a:effectRef idx="1">
+            <a:schemeClr val="accent3"/>
+          </a:effectRef>
+          <a:fontRef idx="minor">
+            <a:schemeClr val="dk1"/>
+          </a:fontRef>
+        </p:style>
+        <p:txBody>
+          <a:bodyPr rtlCol="0" anchor="ctr"/>
+          <a:lstStyle/>
+          <a:p>
+            <a:pPr algn="ctr"/>
+            <a:r>
+              <a:rPr lang="de-DE" sz="2000" b="1" u="sng" dirty="0"/>
+              <a:t>Recipe</a:t>
+            </a:r>
+          </a:p>
+          <a:p>
+            <a:pPr algn="ctr"/>
+            <a:endParaRPr lang="de-DE" dirty="0"/>
+          </a:p>
+          <a:p>
+            <a:pPr algn="ctr"/>
+            <a:r>
+              <a:rPr lang="de-DE" dirty="0"/>
+              <a:t>Name</a:t>
+            </a:r>
+          </a:p>
+          <a:p>
+            <a:pPr algn="ctr"/>
+            <a:r>
+              <a:rPr lang="de-DE" dirty="0"/>
+              <a:t>Map &lt;Product, Integer&gt;</a:t>
+            </a:r>
+          </a:p>
+          <a:p>
+            <a:pPr algn="ctr"/>
+            <a:r>
+              <a:rPr lang="de-DE" dirty="0"/>
+              <a:t>Description</a:t>
+            </a:r>
+          </a:p>
+          <a:p>
+            <a:pPr algn="ctr"/>
+            <a:r>
+              <a:rPr lang="de-DE" dirty="0"/>
+              <a:t>Kcal</a:t>
+            </a:r>
+          </a:p>
+          <a:p>
+            <a:pPr algn="ctr"/>
+            <a:r>
+              <a:rPr lang="de-DE" dirty="0" err="1"/>
+              <a:t>Carbohydrates</a:t>
+            </a:r>
+            <a:endParaRPr lang="de-DE" dirty="0"/>
+          </a:p>
+          <a:p>
+            <a:pPr algn="ctr"/>
+            <a:r>
+              <a:rPr lang="de-DE" dirty="0"/>
+              <a:t>Protein</a:t>
+            </a:r>
+          </a:p>
+          <a:p>
+            <a:pPr algn="ctr"/>
+            <a:r>
+              <a:rPr lang="de-DE" dirty="0" err="1"/>
+              <a:t>Fat</a:t>
+            </a:r>
+            <a:endParaRPr lang="de-DE" dirty="0"/>
+          </a:p>
+          <a:p>
+            <a:pPr algn="ctr"/>
+            <a:r>
+              <a:rPr lang="de-DE" dirty="0"/>
+              <a:t>--------------------------------</a:t>
+            </a:r>
+          </a:p>
+          <a:p>
+            <a:pPr algn="ctr"/>
+            <a:r>
+              <a:rPr lang="de-DE" dirty="0"/>
+              <a:t>Add()</a:t>
+            </a:r>
+          </a:p>
+          <a:p>
+            <a:pPr algn="ctr"/>
+            <a:r>
+              <a:rPr lang="de-DE" dirty="0"/>
+              <a:t>Remove()</a:t>
+            </a:r>
+          </a:p>
+          <a:p>
+            <a:pPr algn="ctr"/>
+            <a:r>
+              <a:rPr lang="de-DE" dirty="0"/>
+              <a:t>Update()</a:t>
+            </a:r>
+          </a:p>
+          <a:p>
+            <a:pPr algn="ctr"/>
+            <a:r>
+              <a:rPr lang="de-DE" dirty="0" err="1"/>
+              <a:t>Get</a:t>
+            </a:r>
+            <a:r>
+              <a:rPr lang="de-DE" dirty="0"/>
+              <a:t>(Name)</a:t>
+            </a:r>
+          </a:p>
+          <a:p>
+            <a:pPr algn="ctr"/>
+            <a:r>
+              <a:rPr lang="de-DE" dirty="0" err="1"/>
+              <a:t>GetAll</a:t>
+            </a:r>
+            <a:r>
+              <a:rPr lang="de-DE" dirty="0"/>
+              <a:t>()</a:t>
+            </a:r>
+          </a:p>
+        </p:txBody>
+      </p:sp>
+      <p:sp>
+        <p:nvSpPr>
+          <p:cNvPr id="7" name="Rechteck 6">
+            <a:extLst>
+              <a:ext uri="{FF2B5EF4-FFF2-40B4-BE49-F238E27FC236}">
+                <a16:creationId xmlns:a16="http://schemas.microsoft.com/office/drawing/2014/main" id="{D00917F7-0141-46A0-91E7-846437F4DF64}"/>
+              </a:ext>
+            </a:extLst>
+          </p:cNvPr>
+          <p:cNvSpPr/>
+          <p:nvPr/>
+        </p:nvSpPr>
+        <p:spPr>
+          <a:xfrm>
+            <a:off x="9939097" y="1620442"/>
+            <a:ext cx="1902824" cy="2361857"/>
+          </a:xfrm>
+          <a:prstGeom prst="rect">
+            <a:avLst/>
+          </a:prstGeom>
+        </p:spPr>
+        <p:style>
+          <a:lnRef idx="1">
+            <a:schemeClr val="accent3"/>
+          </a:lnRef>
+          <a:fillRef idx="2">
+            <a:schemeClr val="accent3"/>
+          </a:fillRef>
+          <a:effectRef idx="1">
+            <a:schemeClr val="accent3"/>
+          </a:effectRef>
+          <a:fontRef idx="minor">
+            <a:schemeClr val="dk1"/>
+          </a:fontRef>
+        </p:style>
+        <p:txBody>
+          <a:bodyPr rtlCol="0" anchor="ctr"/>
+          <a:lstStyle/>
+          <a:p>
+            <a:pPr algn="ctr"/>
+            <a:r>
+              <a:rPr lang="de-DE" sz="2000" b="1" u="sng" dirty="0"/>
+              <a:t>Recipe </a:t>
+            </a:r>
+            <a:r>
+              <a:rPr lang="de-DE" sz="2000" b="1" u="sng" dirty="0" err="1"/>
+              <a:t>Planning</a:t>
+            </a:r>
+            <a:endParaRPr lang="de-DE" sz="2000" b="1" u="sng" dirty="0"/>
+          </a:p>
+          <a:p>
+            <a:pPr algn="ctr"/>
+            <a:endParaRPr lang="de-DE" dirty="0"/>
+          </a:p>
+          <a:p>
+            <a:pPr algn="ctr"/>
+            <a:r>
+              <a:rPr lang="de-DE" dirty="0"/>
+              <a:t>List &lt;Recipe&gt;</a:t>
+            </a:r>
+          </a:p>
+          <a:p>
+            <a:pPr algn="ctr"/>
+            <a:r>
+              <a:rPr lang="de-DE" dirty="0"/>
+              <a:t>-----------------------</a:t>
+            </a:r>
+          </a:p>
+          <a:p>
+            <a:pPr algn="ctr"/>
+            <a:r>
+              <a:rPr lang="de-DE" dirty="0"/>
+              <a:t>Add()</a:t>
+            </a:r>
+          </a:p>
+          <a:p>
+            <a:pPr algn="ctr"/>
+            <a:r>
+              <a:rPr lang="de-DE" dirty="0"/>
+              <a:t>Remove()</a:t>
+            </a:r>
+          </a:p>
+          <a:p>
+            <a:pPr algn="ctr"/>
+            <a:r>
+              <a:rPr lang="de-DE" dirty="0" err="1"/>
+              <a:t>Reset</a:t>
+            </a:r>
+            <a:r>
+              <a:rPr lang="de-DE" dirty="0"/>
+              <a:t>()</a:t>
+            </a:r>
+          </a:p>
+          <a:p>
+            <a:pPr algn="ctr"/>
+            <a:r>
+              <a:rPr lang="de-DE" dirty="0" err="1"/>
+              <a:t>GetAll</a:t>
+            </a:r>
+            <a:r>
+              <a:rPr lang="de-DE" dirty="0"/>
+              <a:t>()</a:t>
+            </a:r>
+          </a:p>
+        </p:txBody>
+      </p:sp>
+      <p:sp>
+        <p:nvSpPr>
+          <p:cNvPr id="8" name="Rechteck 7">
+            <a:extLst>
+              <a:ext uri="{FF2B5EF4-FFF2-40B4-BE49-F238E27FC236}">
+                <a16:creationId xmlns:a16="http://schemas.microsoft.com/office/drawing/2014/main" id="{9BCAD9C3-8B21-4B80-AC30-0489EC93E8E8}"/>
+              </a:ext>
+            </a:extLst>
+          </p:cNvPr>
+          <p:cNvSpPr/>
+          <p:nvPr/>
+        </p:nvSpPr>
+        <p:spPr>
+          <a:xfrm>
+            <a:off x="3361451" y="986907"/>
+            <a:ext cx="2510284" cy="3106088"/>
+          </a:xfrm>
+          <a:prstGeom prst="rect">
+            <a:avLst/>
+          </a:prstGeom>
+        </p:spPr>
+        <p:style>
+          <a:lnRef idx="1">
+            <a:schemeClr val="accent3"/>
+          </a:lnRef>
+          <a:fillRef idx="2">
+            <a:schemeClr val="accent3"/>
+          </a:fillRef>
+          <a:effectRef idx="1">
+            <a:schemeClr val="accent3"/>
+          </a:effectRef>
+          <a:fontRef idx="minor">
+            <a:schemeClr val="dk1"/>
+          </a:fontRef>
+        </p:style>
+        <p:txBody>
+          <a:bodyPr rtlCol="0" anchor="ctr"/>
+          <a:lstStyle/>
+          <a:p>
+            <a:pPr algn="ctr"/>
+            <a:r>
+              <a:rPr lang="de-DE" sz="2000" b="1" u="sng" dirty="0"/>
+              <a:t>Shopping List</a:t>
+            </a:r>
+          </a:p>
+          <a:p>
+            <a:pPr algn="ctr"/>
+            <a:endParaRPr lang="de-DE" dirty="0"/>
+          </a:p>
+          <a:p>
+            <a:pPr algn="ctr"/>
+            <a:r>
+              <a:rPr lang="de-DE" dirty="0"/>
+              <a:t>Name</a:t>
+            </a:r>
+          </a:p>
+          <a:p>
+            <a:pPr algn="ctr"/>
+            <a:r>
+              <a:rPr lang="de-DE" dirty="0"/>
+              <a:t>Map &lt;Product, Integer&gt;</a:t>
+            </a:r>
+          </a:p>
+          <a:p>
+            <a:pPr algn="ctr"/>
+            <a:r>
+              <a:rPr lang="de-DE" dirty="0"/>
+              <a:t>---------------------------------</a:t>
+            </a:r>
+          </a:p>
+          <a:p>
+            <a:pPr algn="ctr"/>
+            <a:r>
+              <a:rPr lang="de-DE" dirty="0"/>
+              <a:t>Add()</a:t>
+            </a:r>
+          </a:p>
+          <a:p>
+            <a:pPr algn="ctr"/>
+            <a:r>
+              <a:rPr lang="de-DE" dirty="0"/>
+              <a:t>Update()</a:t>
+            </a:r>
+          </a:p>
+          <a:p>
+            <a:pPr algn="ctr"/>
+            <a:r>
+              <a:rPr lang="de-DE" dirty="0"/>
+              <a:t>Remove()</a:t>
+            </a:r>
+          </a:p>
+          <a:p>
+            <a:pPr algn="ctr"/>
+            <a:r>
+              <a:rPr lang="de-DE" dirty="0" err="1"/>
+              <a:t>Reset</a:t>
+            </a:r>
+            <a:r>
+              <a:rPr lang="de-DE" dirty="0"/>
+              <a:t>() </a:t>
+            </a:r>
+          </a:p>
+          <a:p>
+            <a:pPr algn="ctr"/>
+            <a:r>
+              <a:rPr lang="de-DE" dirty="0" err="1"/>
+              <a:t>Get</a:t>
+            </a:r>
+            <a:r>
+              <a:rPr lang="de-DE" dirty="0"/>
+              <a:t>(Product)</a:t>
+            </a:r>
+          </a:p>
+          <a:p>
+            <a:pPr algn="ctr"/>
+            <a:r>
+              <a:rPr lang="de-DE" dirty="0" err="1"/>
+              <a:t>GetAll</a:t>
+            </a:r>
+            <a:r>
+              <a:rPr lang="de-DE" dirty="0"/>
+              <a:t>()</a:t>
+            </a:r>
+          </a:p>
+        </p:txBody>
+      </p:sp>
+      <p:sp>
+        <p:nvSpPr>
+          <p:cNvPr id="9" name="Rechteck 8">
+            <a:extLst>
+              <a:ext uri="{FF2B5EF4-FFF2-40B4-BE49-F238E27FC236}">
+                <a16:creationId xmlns:a16="http://schemas.microsoft.com/office/drawing/2014/main" id="{03252AA4-DEF0-4751-9C25-C21D3DE70782}"/>
+              </a:ext>
+            </a:extLst>
+          </p:cNvPr>
+          <p:cNvSpPr/>
+          <p:nvPr/>
+        </p:nvSpPr>
+        <p:spPr>
+          <a:xfrm>
+            <a:off x="3361451" y="4210988"/>
+            <a:ext cx="2510284" cy="2569822"/>
+          </a:xfrm>
+          <a:prstGeom prst="rect">
+            <a:avLst/>
+          </a:prstGeom>
+        </p:spPr>
+        <p:style>
+          <a:lnRef idx="1">
+            <a:schemeClr val="accent3"/>
+          </a:lnRef>
+          <a:fillRef idx="2">
+            <a:schemeClr val="accent3"/>
+          </a:fillRef>
+          <a:effectRef idx="1">
+            <a:schemeClr val="accent3"/>
+          </a:effectRef>
+          <a:fontRef idx="minor">
+            <a:schemeClr val="dk1"/>
+          </a:fontRef>
+        </p:style>
+        <p:txBody>
+          <a:bodyPr rtlCol="0" anchor="ctr"/>
+          <a:lstStyle/>
+          <a:p>
+            <a:pPr algn="ctr"/>
+            <a:r>
+              <a:rPr lang="de-DE" sz="2000" b="1" u="sng" dirty="0"/>
+              <a:t>Stock</a:t>
+            </a:r>
+          </a:p>
+          <a:p>
+            <a:pPr algn="ctr"/>
+            <a:endParaRPr lang="de-DE" dirty="0"/>
+          </a:p>
+          <a:p>
+            <a:pPr algn="ctr"/>
+            <a:r>
+              <a:rPr lang="de-DE" dirty="0"/>
+              <a:t>Map &lt;Product, Integer&gt;</a:t>
+            </a:r>
+          </a:p>
+          <a:p>
+            <a:pPr algn="ctr"/>
+            <a:r>
+              <a:rPr lang="de-DE" dirty="0"/>
+              <a:t>--------------------------------</a:t>
+            </a:r>
+          </a:p>
+          <a:p>
+            <a:pPr algn="ctr"/>
+            <a:r>
+              <a:rPr lang="de-DE" dirty="0"/>
+              <a:t>Add()</a:t>
+            </a:r>
+          </a:p>
+          <a:p>
+            <a:pPr algn="ctr"/>
+            <a:r>
+              <a:rPr lang="de-DE" dirty="0"/>
+              <a:t>Update()</a:t>
+            </a:r>
+          </a:p>
+          <a:p>
+            <a:pPr algn="ctr"/>
+            <a:r>
+              <a:rPr lang="de-DE" dirty="0" err="1"/>
+              <a:t>Reset</a:t>
+            </a:r>
+            <a:r>
+              <a:rPr lang="de-DE" dirty="0"/>
+              <a:t>()</a:t>
+            </a:r>
+          </a:p>
+          <a:p>
+            <a:pPr algn="ctr"/>
+            <a:r>
+              <a:rPr lang="de-DE" dirty="0" err="1"/>
+              <a:t>Get</a:t>
+            </a:r>
+            <a:r>
+              <a:rPr lang="de-DE" dirty="0"/>
+              <a:t>(Product)</a:t>
+            </a:r>
+          </a:p>
+          <a:p>
+            <a:pPr algn="ctr"/>
+            <a:r>
+              <a:rPr lang="de-DE" dirty="0" err="1"/>
+              <a:t>GetAll</a:t>
+            </a:r>
+            <a:r>
+              <a:rPr lang="de-DE" dirty="0"/>
+              <a:t>()</a:t>
+            </a:r>
+          </a:p>
+        </p:txBody>
+      </p:sp>
+      <p:sp>
+        <p:nvSpPr>
+          <p:cNvPr id="2" name="Textfeld 1">
+            <a:extLst>
+              <a:ext uri="{FF2B5EF4-FFF2-40B4-BE49-F238E27FC236}">
+                <a16:creationId xmlns:a16="http://schemas.microsoft.com/office/drawing/2014/main" id="{3E771BC5-620C-49A2-BCE7-3B9B813A4013}"/>
+              </a:ext>
+            </a:extLst>
+          </p:cNvPr>
+          <p:cNvSpPr txBox="1"/>
+          <p:nvPr/>
+        </p:nvSpPr>
+        <p:spPr>
+          <a:xfrm>
+            <a:off x="460525" y="114301"/>
+            <a:ext cx="5124450" cy="461665"/>
+          </a:xfrm>
+          <a:prstGeom prst="rect">
+            <a:avLst/>
+          </a:prstGeom>
+          <a:noFill/>
+        </p:spPr>
+        <p:txBody>
+          <a:bodyPr wrap="square" rtlCol="0">
+            <a:spAutoFit/>
+          </a:bodyPr>
+          <a:lstStyle/>
+          <a:p>
+            <a:r>
+              <a:rPr lang="de-DE" sz="2400" b="1" u="sng" dirty="0"/>
+              <a:t>Models:</a:t>
+            </a:r>
+          </a:p>
+        </p:txBody>
+      </p:sp>
+      <p:cxnSp>
+        <p:nvCxnSpPr>
+          <p:cNvPr id="12" name="Verbinder: gewinkelt 11">
+            <a:extLst>
+              <a:ext uri="{FF2B5EF4-FFF2-40B4-BE49-F238E27FC236}">
+                <a16:creationId xmlns:a16="http://schemas.microsoft.com/office/drawing/2014/main" id="{4CC8BCC6-A3D6-4C3F-9ED9-D92D230C50DE}"/>
+              </a:ext>
+            </a:extLst>
+          </p:cNvPr>
+          <p:cNvCxnSpPr>
+            <a:cxnSpLocks/>
+            <a:stCxn id="4" idx="3"/>
+            <a:endCxn id="8" idx="1"/>
+          </p:cNvCxnSpPr>
+          <p:nvPr/>
+        </p:nvCxnSpPr>
+        <p:spPr>
+          <a:xfrm flipV="1">
+            <a:off x="2126009" y="2539951"/>
+            <a:ext cx="1235442" cy="401416"/>
+          </a:xfrm>
+          <a:prstGeom prst="bentConnector3">
+            <a:avLst/>
+          </a:prstGeom>
+          <a:ln>
+            <a:tailEnd type="triangle"/>
+          </a:ln>
+        </p:spPr>
+        <p:style>
+          <a:lnRef idx="3">
+            <a:schemeClr val="dk1"/>
+          </a:lnRef>
+          <a:fillRef idx="0">
+            <a:schemeClr val="dk1"/>
+          </a:fillRef>
+          <a:effectRef idx="2">
+            <a:schemeClr val="dk1"/>
+          </a:effectRef>
+          <a:fontRef idx="minor">
+            <a:schemeClr val="tx1"/>
+          </a:fontRef>
+        </p:style>
+      </p:cxnSp>
+      <p:cxnSp>
+        <p:nvCxnSpPr>
+          <p:cNvPr id="14" name="Verbinder: gewinkelt 13">
+            <a:extLst>
+              <a:ext uri="{FF2B5EF4-FFF2-40B4-BE49-F238E27FC236}">
+                <a16:creationId xmlns:a16="http://schemas.microsoft.com/office/drawing/2014/main" id="{8B340A30-674F-483A-B429-670DDC4E73D3}"/>
+              </a:ext>
+            </a:extLst>
+          </p:cNvPr>
+          <p:cNvCxnSpPr>
+            <a:cxnSpLocks/>
+            <a:stCxn id="4" idx="3"/>
+            <a:endCxn id="9" idx="1"/>
+          </p:cNvCxnSpPr>
+          <p:nvPr/>
+        </p:nvCxnSpPr>
+        <p:spPr>
+          <a:xfrm>
+            <a:off x="2126009" y="2941367"/>
+            <a:ext cx="1235442" cy="2554532"/>
+          </a:xfrm>
+          <a:prstGeom prst="bentConnector3">
+            <a:avLst/>
+          </a:prstGeom>
+          <a:ln>
+            <a:tailEnd type="triangle"/>
+          </a:ln>
+        </p:spPr>
+        <p:style>
+          <a:lnRef idx="3">
+            <a:schemeClr val="dk1"/>
+          </a:lnRef>
+          <a:fillRef idx="0">
+            <a:schemeClr val="dk1"/>
+          </a:fillRef>
+          <a:effectRef idx="2">
+            <a:schemeClr val="dk1"/>
+          </a:effectRef>
+          <a:fontRef idx="minor">
+            <a:schemeClr val="tx1"/>
+          </a:fontRef>
+        </p:style>
+      </p:cxnSp>
+      <p:cxnSp>
+        <p:nvCxnSpPr>
+          <p:cNvPr id="18" name="Verbinder: gewinkelt 17">
+            <a:extLst>
+              <a:ext uri="{FF2B5EF4-FFF2-40B4-BE49-F238E27FC236}">
+                <a16:creationId xmlns:a16="http://schemas.microsoft.com/office/drawing/2014/main" id="{9F99FC47-7AE3-4E39-8DCB-A86DFCEFF917}"/>
+              </a:ext>
+            </a:extLst>
+          </p:cNvPr>
+          <p:cNvCxnSpPr>
+            <a:cxnSpLocks/>
+            <a:stCxn id="4" idx="3"/>
+          </p:cNvCxnSpPr>
+          <p:nvPr/>
+        </p:nvCxnSpPr>
+        <p:spPr>
+          <a:xfrm flipV="1">
+            <a:off x="2126009" y="829123"/>
+            <a:ext cx="4778404" cy="2112244"/>
+          </a:xfrm>
+          <a:prstGeom prst="bentConnector3">
+            <a:avLst>
+              <a:gd name="adj1" fmla="val 12923"/>
+            </a:avLst>
+          </a:prstGeom>
+          <a:ln>
+            <a:tailEnd type="triangle"/>
+          </a:ln>
+        </p:spPr>
+        <p:style>
+          <a:lnRef idx="3">
+            <a:schemeClr val="dk1"/>
+          </a:lnRef>
+          <a:fillRef idx="0">
+            <a:schemeClr val="dk1"/>
+          </a:fillRef>
+          <a:effectRef idx="2">
+            <a:schemeClr val="dk1"/>
+          </a:effectRef>
+          <a:fontRef idx="minor">
+            <a:schemeClr val="tx1"/>
+          </a:fontRef>
+        </p:style>
+      </p:cxnSp>
+      <p:cxnSp>
+        <p:nvCxnSpPr>
+          <p:cNvPr id="24" name="Gerade Verbindung mit Pfeil 23">
+            <a:extLst>
+              <a:ext uri="{FF2B5EF4-FFF2-40B4-BE49-F238E27FC236}">
+                <a16:creationId xmlns:a16="http://schemas.microsoft.com/office/drawing/2014/main" id="{0896D833-AFEA-493F-A4A2-1BA80E71A8CA}"/>
+              </a:ext>
+            </a:extLst>
+          </p:cNvPr>
+          <p:cNvCxnSpPr>
+            <a:cxnSpLocks/>
+            <a:stCxn id="5" idx="3"/>
+            <a:endCxn id="7" idx="1"/>
+          </p:cNvCxnSpPr>
+          <p:nvPr/>
+        </p:nvCxnSpPr>
+        <p:spPr>
+          <a:xfrm flipV="1">
+            <a:off x="9344097" y="2801371"/>
+            <a:ext cx="595000" cy="1"/>
+          </a:xfrm>
+          <a:prstGeom prst="straightConnector1">
+            <a:avLst/>
+          </a:prstGeom>
+          <a:ln>
+            <a:tailEnd type="triangle"/>
+          </a:ln>
+        </p:spPr>
+        <p:style>
+          <a:lnRef idx="3">
+            <a:schemeClr val="dk1"/>
+          </a:lnRef>
+          <a:fillRef idx="0">
+            <a:schemeClr val="dk1"/>
+          </a:fillRef>
+          <a:effectRef idx="2">
+            <a:schemeClr val="dk1"/>
+          </a:effectRef>
+          <a:fontRef idx="minor">
+            <a:schemeClr val="tx1"/>
+          </a:fontRef>
+        </p:style>
+      </p:cxnSp>
+    </p:spTree>
+    <p:extLst>
+      <p:ext uri="{BB962C8B-B14F-4D97-AF65-F5344CB8AC3E}">
+        <p14:creationId xmlns:p14="http://schemas.microsoft.com/office/powerpoint/2010/main" val="2828722986"/>
       </p:ext>
     </p:extLst>
   </p:cSld>

--- a/.documentation/files/Modelling.pptx
+++ b/.documentation/files/Modelling.pptx
@@ -7,6 +7,7 @@
   <p:sldIdLst>
     <p:sldId id="256" r:id="rId2"/>
     <p:sldId id="257" r:id="rId3"/>
+    <p:sldId id="258" r:id="rId4"/>
   </p:sldIdLst>
   <p:sldSz cx="12192000" cy="6858000"/>
   <p:notesSz cx="6858000" cy="9144000"/>
@@ -272,7 +273,7 @@
           <a:p>
             <a:fld id="{B87E87A3-17E7-47D1-91ED-CED11AD9B4A0}" type="datetimeFigureOut">
               <a:rPr lang="de-DE" smtClean="0"/>
-              <a:t>09.03.2021</a:t>
+              <a:t>12.03.2021</a:t>
             </a:fld>
             <a:endParaRPr lang="de-DE"/>
           </a:p>
@@ -470,7 +471,7 @@
           <a:p>
             <a:fld id="{B87E87A3-17E7-47D1-91ED-CED11AD9B4A0}" type="datetimeFigureOut">
               <a:rPr lang="de-DE" smtClean="0"/>
-              <a:t>09.03.2021</a:t>
+              <a:t>12.03.2021</a:t>
             </a:fld>
             <a:endParaRPr lang="de-DE"/>
           </a:p>
@@ -678,7 +679,7 @@
           <a:p>
             <a:fld id="{B87E87A3-17E7-47D1-91ED-CED11AD9B4A0}" type="datetimeFigureOut">
               <a:rPr lang="de-DE" smtClean="0"/>
-              <a:t>09.03.2021</a:t>
+              <a:t>12.03.2021</a:t>
             </a:fld>
             <a:endParaRPr lang="de-DE"/>
           </a:p>
@@ -876,7 +877,7 @@
           <a:p>
             <a:fld id="{B87E87A3-17E7-47D1-91ED-CED11AD9B4A0}" type="datetimeFigureOut">
               <a:rPr lang="de-DE" smtClean="0"/>
-              <a:t>09.03.2021</a:t>
+              <a:t>12.03.2021</a:t>
             </a:fld>
             <a:endParaRPr lang="de-DE"/>
           </a:p>
@@ -1151,7 +1152,7 @@
           <a:p>
             <a:fld id="{B87E87A3-17E7-47D1-91ED-CED11AD9B4A0}" type="datetimeFigureOut">
               <a:rPr lang="de-DE" smtClean="0"/>
-              <a:t>09.03.2021</a:t>
+              <a:t>12.03.2021</a:t>
             </a:fld>
             <a:endParaRPr lang="de-DE"/>
           </a:p>
@@ -1416,7 +1417,7 @@
           <a:p>
             <a:fld id="{B87E87A3-17E7-47D1-91ED-CED11AD9B4A0}" type="datetimeFigureOut">
               <a:rPr lang="de-DE" smtClean="0"/>
-              <a:t>09.03.2021</a:t>
+              <a:t>12.03.2021</a:t>
             </a:fld>
             <a:endParaRPr lang="de-DE"/>
           </a:p>
@@ -1828,7 +1829,7 @@
           <a:p>
             <a:fld id="{B87E87A3-17E7-47D1-91ED-CED11AD9B4A0}" type="datetimeFigureOut">
               <a:rPr lang="de-DE" smtClean="0"/>
-              <a:t>09.03.2021</a:t>
+              <a:t>12.03.2021</a:t>
             </a:fld>
             <a:endParaRPr lang="de-DE"/>
           </a:p>
@@ -1969,7 +1970,7 @@
           <a:p>
             <a:fld id="{B87E87A3-17E7-47D1-91ED-CED11AD9B4A0}" type="datetimeFigureOut">
               <a:rPr lang="de-DE" smtClean="0"/>
-              <a:t>09.03.2021</a:t>
+              <a:t>12.03.2021</a:t>
             </a:fld>
             <a:endParaRPr lang="de-DE"/>
           </a:p>
@@ -2082,7 +2083,7 @@
           <a:p>
             <a:fld id="{B87E87A3-17E7-47D1-91ED-CED11AD9B4A0}" type="datetimeFigureOut">
               <a:rPr lang="de-DE" smtClean="0"/>
-              <a:t>09.03.2021</a:t>
+              <a:t>12.03.2021</a:t>
             </a:fld>
             <a:endParaRPr lang="de-DE"/>
           </a:p>
@@ -2393,7 +2394,7 @@
           <a:p>
             <a:fld id="{B87E87A3-17E7-47D1-91ED-CED11AD9B4A0}" type="datetimeFigureOut">
               <a:rPr lang="de-DE" smtClean="0"/>
-              <a:t>09.03.2021</a:t>
+              <a:t>12.03.2021</a:t>
             </a:fld>
             <a:endParaRPr lang="de-DE"/>
           </a:p>
@@ -2681,7 +2682,7 @@
           <a:p>
             <a:fld id="{B87E87A3-17E7-47D1-91ED-CED11AD9B4A0}" type="datetimeFigureOut">
               <a:rPr lang="de-DE" smtClean="0"/>
-              <a:t>09.03.2021</a:t>
+              <a:t>12.03.2021</a:t>
             </a:fld>
             <a:endParaRPr lang="de-DE"/>
           </a:p>
@@ -2922,7 +2923,7 @@
           <a:p>
             <a:fld id="{B87E87A3-17E7-47D1-91ED-CED11AD9B4A0}" type="datetimeFigureOut">
               <a:rPr lang="de-DE" smtClean="0"/>
-              <a:t>09.03.2021</a:t>
+              <a:t>12.03.2021</a:t>
             </a:fld>
             <a:endParaRPr lang="de-DE"/>
           </a:p>
@@ -5232,6 +5233,1814 @@
     <p:extLst>
       <p:ext uri="{BB962C8B-B14F-4D97-AF65-F5344CB8AC3E}">
         <p14:creationId xmlns:p14="http://schemas.microsoft.com/office/powerpoint/2010/main" val="2828722986"/>
+      </p:ext>
+    </p:extLst>
+  </p:cSld>
+  <p:clrMapOvr>
+    <a:masterClrMapping/>
+  </p:clrMapOvr>
+</p:sld>
+</file>
+
+<file path=ppt/slides/slide3.xml><?xml version="1.0" encoding="utf-8"?>
+<p:sld xmlns:a="http://schemas.openxmlformats.org/drawingml/2006/main" xmlns:r="http://schemas.openxmlformats.org/officeDocument/2006/relationships" xmlns:p="http://schemas.openxmlformats.org/presentationml/2006/main">
+  <p:cSld>
+    <p:spTree>
+      <p:nvGrpSpPr>
+        <p:cNvPr id="1" name=""/>
+        <p:cNvGrpSpPr/>
+        <p:nvPr/>
+      </p:nvGrpSpPr>
+      <p:grpSpPr>
+        <a:xfrm>
+          <a:off x="0" y="0"/>
+          <a:ext cx="0" cy="0"/>
+          <a:chOff x="0" y="0"/>
+          <a:chExt cx="0" cy="0"/>
+        </a:xfrm>
+      </p:grpSpPr>
+      <p:sp>
+        <p:nvSpPr>
+          <p:cNvPr id="2" name="Textfeld 1">
+            <a:extLst>
+              <a:ext uri="{FF2B5EF4-FFF2-40B4-BE49-F238E27FC236}">
+                <a16:creationId xmlns:a16="http://schemas.microsoft.com/office/drawing/2014/main" id="{3E771BC5-620C-49A2-BCE7-3B9B813A4013}"/>
+              </a:ext>
+            </a:extLst>
+          </p:cNvPr>
+          <p:cNvSpPr txBox="1"/>
+          <p:nvPr/>
+        </p:nvSpPr>
+        <p:spPr>
+          <a:xfrm>
+            <a:off x="460525" y="114301"/>
+            <a:ext cx="5124450" cy="461665"/>
+          </a:xfrm>
+          <a:prstGeom prst="rect">
+            <a:avLst/>
+          </a:prstGeom>
+          <a:noFill/>
+        </p:spPr>
+        <p:txBody>
+          <a:bodyPr wrap="square" rtlCol="0">
+            <a:spAutoFit/>
+          </a:bodyPr>
+          <a:lstStyle/>
+          <a:p>
+            <a:r>
+              <a:rPr lang="de-DE" sz="2400" b="1" u="sng" dirty="0"/>
+              <a:t>Klassenstruktur:</a:t>
+            </a:r>
+          </a:p>
+        </p:txBody>
+      </p:sp>
+      <p:grpSp>
+        <p:nvGrpSpPr>
+          <p:cNvPr id="13" name="Gruppieren 12">
+            <a:extLst>
+              <a:ext uri="{FF2B5EF4-FFF2-40B4-BE49-F238E27FC236}">
+                <a16:creationId xmlns:a16="http://schemas.microsoft.com/office/drawing/2014/main" id="{2AC8B183-D425-4C04-8AF3-B70F8C14D2D0}"/>
+              </a:ext>
+            </a:extLst>
+          </p:cNvPr>
+          <p:cNvGrpSpPr/>
+          <p:nvPr/>
+        </p:nvGrpSpPr>
+        <p:grpSpPr>
+          <a:xfrm>
+            <a:off x="7499712" y="3008445"/>
+            <a:ext cx="1862367" cy="542926"/>
+            <a:chOff x="9867242" y="1191512"/>
+            <a:chExt cx="1862367" cy="542926"/>
+          </a:xfrm>
+        </p:grpSpPr>
+        <p:sp>
+          <p:nvSpPr>
+            <p:cNvPr id="7" name="Rechteck 6">
+              <a:extLst>
+                <a:ext uri="{FF2B5EF4-FFF2-40B4-BE49-F238E27FC236}">
+                  <a16:creationId xmlns:a16="http://schemas.microsoft.com/office/drawing/2014/main" id="{D00917F7-0141-46A0-91E7-846437F4DF64}"/>
+                </a:ext>
+              </a:extLst>
+            </p:cNvPr>
+            <p:cNvSpPr/>
+            <p:nvPr/>
+          </p:nvSpPr>
+          <p:spPr>
+            <a:xfrm>
+              <a:off x="9867242" y="1191512"/>
+              <a:ext cx="1862367" cy="542926"/>
+            </a:xfrm>
+            <a:prstGeom prst="rect">
+              <a:avLst/>
+            </a:prstGeom>
+          </p:spPr>
+          <p:style>
+            <a:lnRef idx="1">
+              <a:schemeClr val="accent3"/>
+            </a:lnRef>
+            <a:fillRef idx="2">
+              <a:schemeClr val="accent3"/>
+            </a:fillRef>
+            <a:effectRef idx="1">
+              <a:schemeClr val="accent3"/>
+            </a:effectRef>
+            <a:fontRef idx="minor">
+              <a:schemeClr val="dk1"/>
+            </a:fontRef>
+          </p:style>
+          <p:txBody>
+            <a:bodyPr rtlCol="0" anchor="ctr"/>
+            <a:lstStyle/>
+            <a:p>
+              <a:pPr algn="ctr"/>
+              <a:r>
+                <a:rPr lang="de-DE" b="1" dirty="0"/>
+                <a:t>Logging</a:t>
+              </a:r>
+            </a:p>
+          </p:txBody>
+        </p:sp>
+        <p:pic>
+          <p:nvPicPr>
+            <p:cNvPr id="10" name="Grafik 9" descr="Kasten">
+              <a:extLst>
+                <a:ext uri="{FF2B5EF4-FFF2-40B4-BE49-F238E27FC236}">
+                  <a16:creationId xmlns:a16="http://schemas.microsoft.com/office/drawing/2014/main" id="{E2BA8596-4E1D-4D75-8E5C-9BF497A62473}"/>
+                </a:ext>
+              </a:extLst>
+            </p:cNvPr>
+            <p:cNvPicPr>
+              <a:picLocks noChangeAspect="1"/>
+            </p:cNvPicPr>
+            <p:nvPr/>
+          </p:nvPicPr>
+          <p:blipFill>
+            <a:blip r:embed="rId2">
+              <a:extLst>
+                <a:ext uri="{28A0092B-C50C-407E-A947-70E740481C1C}">
+                  <a14:useLocalDpi xmlns:a14="http://schemas.microsoft.com/office/drawing/2010/main" val="0"/>
+                </a:ext>
+                <a:ext uri="{96DAC541-7B7A-43D3-8B79-37D633B846F1}">
+                  <asvg:svgBlip xmlns:asvg="http://schemas.microsoft.com/office/drawing/2016/SVG/main" r:embed="rId3"/>
+                </a:ext>
+              </a:extLst>
+            </a:blip>
+            <a:stretch>
+              <a:fillRect/>
+            </a:stretch>
+          </p:blipFill>
+          <p:spPr>
+            <a:xfrm>
+              <a:off x="9867243" y="1228778"/>
+              <a:ext cx="468393" cy="468393"/>
+            </a:xfrm>
+            <a:prstGeom prst="rect">
+              <a:avLst/>
+            </a:prstGeom>
+          </p:spPr>
+        </p:pic>
+      </p:grpSp>
+      <p:grpSp>
+        <p:nvGrpSpPr>
+          <p:cNvPr id="12" name="Gruppieren 11">
+            <a:extLst>
+              <a:ext uri="{FF2B5EF4-FFF2-40B4-BE49-F238E27FC236}">
+                <a16:creationId xmlns:a16="http://schemas.microsoft.com/office/drawing/2014/main" id="{754BC0F4-A814-432C-832F-A09B21E510D1}"/>
+              </a:ext>
+            </a:extLst>
+          </p:cNvPr>
+          <p:cNvGrpSpPr/>
+          <p:nvPr/>
+        </p:nvGrpSpPr>
+        <p:grpSpPr>
+          <a:xfrm>
+            <a:off x="7499711" y="2191150"/>
+            <a:ext cx="1862367" cy="542926"/>
+            <a:chOff x="7860472" y="2561429"/>
+            <a:chExt cx="1862367" cy="542926"/>
+          </a:xfrm>
+        </p:grpSpPr>
+        <p:sp>
+          <p:nvSpPr>
+            <p:cNvPr id="22" name="Rechteck 21">
+              <a:extLst>
+                <a:ext uri="{FF2B5EF4-FFF2-40B4-BE49-F238E27FC236}">
+                  <a16:creationId xmlns:a16="http://schemas.microsoft.com/office/drawing/2014/main" id="{9A72CFFE-2D9D-4491-9C24-BD38BEEF8A0D}"/>
+                </a:ext>
+              </a:extLst>
+            </p:cNvPr>
+            <p:cNvSpPr/>
+            <p:nvPr/>
+          </p:nvSpPr>
+          <p:spPr>
+            <a:xfrm>
+              <a:off x="7860472" y="2561429"/>
+              <a:ext cx="1862367" cy="542926"/>
+            </a:xfrm>
+            <a:prstGeom prst="rect">
+              <a:avLst/>
+            </a:prstGeom>
+          </p:spPr>
+          <p:style>
+            <a:lnRef idx="1">
+              <a:schemeClr val="accent3"/>
+            </a:lnRef>
+            <a:fillRef idx="2">
+              <a:schemeClr val="accent3"/>
+            </a:fillRef>
+            <a:effectRef idx="1">
+              <a:schemeClr val="accent3"/>
+            </a:effectRef>
+            <a:fontRef idx="minor">
+              <a:schemeClr val="dk1"/>
+            </a:fontRef>
+          </p:style>
+          <p:txBody>
+            <a:bodyPr rtlCol="0" anchor="ctr"/>
+            <a:lstStyle/>
+            <a:p>
+              <a:pPr algn="r"/>
+              <a:r>
+                <a:rPr lang="de-DE" b="1" dirty="0" err="1"/>
+                <a:t>DataProvider</a:t>
+              </a:r>
+              <a:endParaRPr lang="de-DE" b="1" dirty="0"/>
+            </a:p>
+          </p:txBody>
+        </p:sp>
+        <p:pic>
+          <p:nvPicPr>
+            <p:cNvPr id="24" name="Grafik 23" descr="Kasten">
+              <a:extLst>
+                <a:ext uri="{FF2B5EF4-FFF2-40B4-BE49-F238E27FC236}">
+                  <a16:creationId xmlns:a16="http://schemas.microsoft.com/office/drawing/2014/main" id="{0FA48293-2485-4949-96D7-0D9795A38892}"/>
+                </a:ext>
+              </a:extLst>
+            </p:cNvPr>
+            <p:cNvPicPr>
+              <a:picLocks noChangeAspect="1"/>
+            </p:cNvPicPr>
+            <p:nvPr/>
+          </p:nvPicPr>
+          <p:blipFill>
+            <a:blip r:embed="rId2">
+              <a:extLst>
+                <a:ext uri="{28A0092B-C50C-407E-A947-70E740481C1C}">
+                  <a14:useLocalDpi xmlns:a14="http://schemas.microsoft.com/office/drawing/2010/main" val="0"/>
+                </a:ext>
+                <a:ext uri="{96DAC541-7B7A-43D3-8B79-37D633B846F1}">
+                  <asvg:svgBlip xmlns:asvg="http://schemas.microsoft.com/office/drawing/2016/SVG/main" r:embed="rId3"/>
+                </a:ext>
+              </a:extLst>
+            </a:blip>
+            <a:stretch>
+              <a:fillRect/>
+            </a:stretch>
+          </p:blipFill>
+          <p:spPr>
+            <a:xfrm>
+              <a:off x="7860473" y="2598695"/>
+              <a:ext cx="468393" cy="468393"/>
+            </a:xfrm>
+            <a:prstGeom prst="rect">
+              <a:avLst/>
+            </a:prstGeom>
+          </p:spPr>
+        </p:pic>
+      </p:grpSp>
+      <p:grpSp>
+        <p:nvGrpSpPr>
+          <p:cNvPr id="28" name="Gruppieren 27">
+            <a:extLst>
+              <a:ext uri="{FF2B5EF4-FFF2-40B4-BE49-F238E27FC236}">
+                <a16:creationId xmlns:a16="http://schemas.microsoft.com/office/drawing/2014/main" id="{92BDF2A8-7470-497C-AF9F-4E5539C6B3E3}"/>
+              </a:ext>
+            </a:extLst>
+          </p:cNvPr>
+          <p:cNvGrpSpPr/>
+          <p:nvPr/>
+        </p:nvGrpSpPr>
+        <p:grpSpPr>
+          <a:xfrm>
+            <a:off x="7499713" y="3797230"/>
+            <a:ext cx="1862367" cy="542926"/>
+            <a:chOff x="7860472" y="2561429"/>
+            <a:chExt cx="1862367" cy="542926"/>
+          </a:xfrm>
+        </p:grpSpPr>
+        <p:sp>
+          <p:nvSpPr>
+            <p:cNvPr id="29" name="Rechteck 28">
+              <a:extLst>
+                <a:ext uri="{FF2B5EF4-FFF2-40B4-BE49-F238E27FC236}">
+                  <a16:creationId xmlns:a16="http://schemas.microsoft.com/office/drawing/2014/main" id="{6C947807-77A4-47BB-ACCB-4DE6C75E7D11}"/>
+                </a:ext>
+              </a:extLst>
+            </p:cNvPr>
+            <p:cNvSpPr/>
+            <p:nvPr/>
+          </p:nvSpPr>
+          <p:spPr>
+            <a:xfrm>
+              <a:off x="7860472" y="2561429"/>
+              <a:ext cx="1862367" cy="542926"/>
+            </a:xfrm>
+            <a:prstGeom prst="rect">
+              <a:avLst/>
+            </a:prstGeom>
+          </p:spPr>
+          <p:style>
+            <a:lnRef idx="1">
+              <a:schemeClr val="accent3"/>
+            </a:lnRef>
+            <a:fillRef idx="2">
+              <a:schemeClr val="accent3"/>
+            </a:fillRef>
+            <a:effectRef idx="1">
+              <a:schemeClr val="accent3"/>
+            </a:effectRef>
+            <a:fontRef idx="minor">
+              <a:schemeClr val="dk1"/>
+            </a:fontRef>
+          </p:style>
+          <p:txBody>
+            <a:bodyPr rtlCol="0" anchor="ctr"/>
+            <a:lstStyle/>
+            <a:p>
+              <a:pPr algn="ctr"/>
+              <a:r>
+                <a:rPr lang="de-DE" b="1" dirty="0" err="1"/>
+                <a:t>Swagger</a:t>
+              </a:r>
+              <a:endParaRPr lang="de-DE" b="1" dirty="0"/>
+            </a:p>
+          </p:txBody>
+        </p:sp>
+        <p:pic>
+          <p:nvPicPr>
+            <p:cNvPr id="36" name="Grafik 35" descr="Kasten">
+              <a:extLst>
+                <a:ext uri="{FF2B5EF4-FFF2-40B4-BE49-F238E27FC236}">
+                  <a16:creationId xmlns:a16="http://schemas.microsoft.com/office/drawing/2014/main" id="{C1E60AE2-59E5-42D9-93B6-FAE2970D5A9B}"/>
+                </a:ext>
+              </a:extLst>
+            </p:cNvPr>
+            <p:cNvPicPr>
+              <a:picLocks noChangeAspect="1"/>
+            </p:cNvPicPr>
+            <p:nvPr/>
+          </p:nvPicPr>
+          <p:blipFill>
+            <a:blip r:embed="rId2">
+              <a:extLst>
+                <a:ext uri="{28A0092B-C50C-407E-A947-70E740481C1C}">
+                  <a14:useLocalDpi xmlns:a14="http://schemas.microsoft.com/office/drawing/2010/main" val="0"/>
+                </a:ext>
+                <a:ext uri="{96DAC541-7B7A-43D3-8B79-37D633B846F1}">
+                  <asvg:svgBlip xmlns:asvg="http://schemas.microsoft.com/office/drawing/2016/SVG/main" r:embed="rId3"/>
+                </a:ext>
+              </a:extLst>
+            </a:blip>
+            <a:stretch>
+              <a:fillRect/>
+            </a:stretch>
+          </p:blipFill>
+          <p:spPr>
+            <a:xfrm>
+              <a:off x="7860473" y="2598695"/>
+              <a:ext cx="468393" cy="468393"/>
+            </a:xfrm>
+            <a:prstGeom prst="rect">
+              <a:avLst/>
+            </a:prstGeom>
+          </p:spPr>
+        </p:pic>
+      </p:grpSp>
+      <p:grpSp>
+        <p:nvGrpSpPr>
+          <p:cNvPr id="37" name="Gruppieren 36">
+            <a:extLst>
+              <a:ext uri="{FF2B5EF4-FFF2-40B4-BE49-F238E27FC236}">
+                <a16:creationId xmlns:a16="http://schemas.microsoft.com/office/drawing/2014/main" id="{6A1B6B7A-C4FA-4A3C-8EAE-4393CAE669F3}"/>
+              </a:ext>
+            </a:extLst>
+          </p:cNvPr>
+          <p:cNvGrpSpPr/>
+          <p:nvPr/>
+        </p:nvGrpSpPr>
+        <p:grpSpPr>
+          <a:xfrm>
+            <a:off x="4476918" y="2887072"/>
+            <a:ext cx="1862367" cy="2260434"/>
+            <a:chOff x="7860472" y="2561428"/>
+            <a:chExt cx="1862367" cy="2260434"/>
+          </a:xfrm>
+        </p:grpSpPr>
+        <p:sp>
+          <p:nvSpPr>
+            <p:cNvPr id="38" name="Rechteck 37">
+              <a:extLst>
+                <a:ext uri="{FF2B5EF4-FFF2-40B4-BE49-F238E27FC236}">
+                  <a16:creationId xmlns:a16="http://schemas.microsoft.com/office/drawing/2014/main" id="{266E40A7-5B3A-47A0-A95B-02CC60053CC2}"/>
+                </a:ext>
+              </a:extLst>
+            </p:cNvPr>
+            <p:cNvSpPr/>
+            <p:nvPr/>
+          </p:nvSpPr>
+          <p:spPr>
+            <a:xfrm>
+              <a:off x="7860472" y="2561428"/>
+              <a:ext cx="1862367" cy="2260434"/>
+            </a:xfrm>
+            <a:prstGeom prst="rect">
+              <a:avLst/>
+            </a:prstGeom>
+          </p:spPr>
+          <p:style>
+            <a:lnRef idx="1">
+              <a:schemeClr val="accent3"/>
+            </a:lnRef>
+            <a:fillRef idx="2">
+              <a:schemeClr val="accent3"/>
+            </a:fillRef>
+            <a:effectRef idx="1">
+              <a:schemeClr val="accent3"/>
+            </a:effectRef>
+            <a:fontRef idx="minor">
+              <a:schemeClr val="dk1"/>
+            </a:fontRef>
+          </p:style>
+          <p:txBody>
+            <a:bodyPr rtlCol="0" anchor="ctr"/>
+            <a:lstStyle/>
+            <a:p>
+              <a:pPr algn="ctr"/>
+              <a:r>
+                <a:rPr lang="de-DE" b="1" u="sng" dirty="0"/>
+                <a:t>Model</a:t>
+              </a:r>
+            </a:p>
+            <a:p>
+              <a:pPr algn="ctr"/>
+              <a:endParaRPr lang="de-DE" b="1" dirty="0"/>
+            </a:p>
+            <a:p>
+              <a:pPr algn="ctr"/>
+              <a:endParaRPr lang="de-DE" b="1" dirty="0"/>
+            </a:p>
+            <a:p>
+              <a:pPr algn="ctr"/>
+              <a:endParaRPr lang="de-DE" b="1" dirty="0"/>
+            </a:p>
+            <a:p>
+              <a:pPr algn="ctr"/>
+              <a:endParaRPr lang="de-DE" b="1" dirty="0"/>
+            </a:p>
+            <a:p>
+              <a:pPr algn="ctr"/>
+              <a:endParaRPr lang="de-DE" b="1" dirty="0"/>
+            </a:p>
+            <a:p>
+              <a:pPr algn="ctr"/>
+              <a:endParaRPr lang="de-DE" b="1" dirty="0"/>
+            </a:p>
+          </p:txBody>
+        </p:sp>
+        <p:pic>
+          <p:nvPicPr>
+            <p:cNvPr id="39" name="Grafik 38" descr="Kasten">
+              <a:extLst>
+                <a:ext uri="{FF2B5EF4-FFF2-40B4-BE49-F238E27FC236}">
+                  <a16:creationId xmlns:a16="http://schemas.microsoft.com/office/drawing/2014/main" id="{C3EE8E8F-E884-4117-BDD5-2773C27816D9}"/>
+                </a:ext>
+              </a:extLst>
+            </p:cNvPr>
+            <p:cNvPicPr>
+              <a:picLocks noChangeAspect="1"/>
+            </p:cNvPicPr>
+            <p:nvPr/>
+          </p:nvPicPr>
+          <p:blipFill>
+            <a:blip r:embed="rId2">
+              <a:extLst>
+                <a:ext uri="{28A0092B-C50C-407E-A947-70E740481C1C}">
+                  <a14:useLocalDpi xmlns:a14="http://schemas.microsoft.com/office/drawing/2010/main" val="0"/>
+                </a:ext>
+                <a:ext uri="{96DAC541-7B7A-43D3-8B79-37D633B846F1}">
+                  <asvg:svgBlip xmlns:asvg="http://schemas.microsoft.com/office/drawing/2016/SVG/main" r:embed="rId3"/>
+                </a:ext>
+              </a:extLst>
+            </a:blip>
+            <a:stretch>
+              <a:fillRect/>
+            </a:stretch>
+          </p:blipFill>
+          <p:spPr>
+            <a:xfrm>
+              <a:off x="7860473" y="2598695"/>
+              <a:ext cx="468393" cy="468393"/>
+            </a:xfrm>
+            <a:prstGeom prst="rect">
+              <a:avLst/>
+            </a:prstGeom>
+          </p:spPr>
+        </p:pic>
+      </p:grpSp>
+      <p:grpSp>
+        <p:nvGrpSpPr>
+          <p:cNvPr id="40" name="Gruppieren 39">
+            <a:extLst>
+              <a:ext uri="{FF2B5EF4-FFF2-40B4-BE49-F238E27FC236}">
+                <a16:creationId xmlns:a16="http://schemas.microsoft.com/office/drawing/2014/main" id="{164280FB-7472-43BD-96ED-EEEDE7D7D393}"/>
+              </a:ext>
+            </a:extLst>
+          </p:cNvPr>
+          <p:cNvGrpSpPr/>
+          <p:nvPr/>
+        </p:nvGrpSpPr>
+        <p:grpSpPr>
+          <a:xfrm>
+            <a:off x="4588899" y="4501582"/>
+            <a:ext cx="1629212" cy="468393"/>
+            <a:chOff x="7899072" y="3521797"/>
+            <a:chExt cx="1775154" cy="542926"/>
+          </a:xfrm>
+        </p:grpSpPr>
+        <p:sp>
+          <p:nvSpPr>
+            <p:cNvPr id="41" name="Rechteck 40">
+              <a:extLst>
+                <a:ext uri="{FF2B5EF4-FFF2-40B4-BE49-F238E27FC236}">
+                  <a16:creationId xmlns:a16="http://schemas.microsoft.com/office/drawing/2014/main" id="{A56DE5AD-91EC-41D0-8165-EF92A274F5C7}"/>
+                </a:ext>
+              </a:extLst>
+            </p:cNvPr>
+            <p:cNvSpPr/>
+            <p:nvPr/>
+          </p:nvSpPr>
+          <p:spPr>
+            <a:xfrm>
+              <a:off x="7899072" y="3521797"/>
+              <a:ext cx="1775154" cy="542926"/>
+            </a:xfrm>
+            <a:prstGeom prst="rect">
+              <a:avLst/>
+            </a:prstGeom>
+            <a:solidFill>
+              <a:schemeClr val="bg1">
+                <a:lumMod val="65000"/>
+              </a:schemeClr>
+            </a:solidFill>
+          </p:spPr>
+          <p:style>
+            <a:lnRef idx="1">
+              <a:schemeClr val="accent3"/>
+            </a:lnRef>
+            <a:fillRef idx="2">
+              <a:schemeClr val="accent3"/>
+            </a:fillRef>
+            <a:effectRef idx="1">
+              <a:schemeClr val="accent3"/>
+            </a:effectRef>
+            <a:fontRef idx="minor">
+              <a:schemeClr val="dk1"/>
+            </a:fontRef>
+          </p:style>
+          <p:txBody>
+            <a:bodyPr rtlCol="0" anchor="ctr"/>
+            <a:lstStyle/>
+            <a:p>
+              <a:pPr algn="ctr"/>
+              <a:r>
+                <a:rPr lang="de-DE" b="1" dirty="0"/>
+                <a:t>   Entity</a:t>
+              </a:r>
+            </a:p>
+          </p:txBody>
+        </p:sp>
+        <p:pic>
+          <p:nvPicPr>
+            <p:cNvPr id="42" name="Grafik 41" descr="Kasten">
+              <a:extLst>
+                <a:ext uri="{FF2B5EF4-FFF2-40B4-BE49-F238E27FC236}">
+                  <a16:creationId xmlns:a16="http://schemas.microsoft.com/office/drawing/2014/main" id="{D36AD63D-B08F-415F-9CA8-16DE3FD78BE8}"/>
+                </a:ext>
+              </a:extLst>
+            </p:cNvPr>
+            <p:cNvPicPr>
+              <a:picLocks noChangeAspect="1"/>
+            </p:cNvPicPr>
+            <p:nvPr/>
+          </p:nvPicPr>
+          <p:blipFill>
+            <a:blip r:embed="rId2">
+              <a:extLst>
+                <a:ext uri="{28A0092B-C50C-407E-A947-70E740481C1C}">
+                  <a14:useLocalDpi xmlns:a14="http://schemas.microsoft.com/office/drawing/2010/main" val="0"/>
+                </a:ext>
+                <a:ext uri="{96DAC541-7B7A-43D3-8B79-37D633B846F1}">
+                  <asvg:svgBlip xmlns:asvg="http://schemas.microsoft.com/office/drawing/2016/SVG/main" r:embed="rId3"/>
+                </a:ext>
+              </a:extLst>
+            </a:blip>
+            <a:stretch>
+              <a:fillRect/>
+            </a:stretch>
+          </p:blipFill>
+          <p:spPr>
+            <a:xfrm>
+              <a:off x="7983084" y="3559063"/>
+              <a:ext cx="468393" cy="468393"/>
+            </a:xfrm>
+            <a:prstGeom prst="rect">
+              <a:avLst/>
+            </a:prstGeom>
+          </p:spPr>
+        </p:pic>
+      </p:grpSp>
+      <p:grpSp>
+        <p:nvGrpSpPr>
+          <p:cNvPr id="43" name="Gruppieren 42">
+            <a:extLst>
+              <a:ext uri="{FF2B5EF4-FFF2-40B4-BE49-F238E27FC236}">
+                <a16:creationId xmlns:a16="http://schemas.microsoft.com/office/drawing/2014/main" id="{BF15B720-4DCC-41E2-93C0-217D2B460807}"/>
+              </a:ext>
+            </a:extLst>
+          </p:cNvPr>
+          <p:cNvGrpSpPr/>
+          <p:nvPr/>
+        </p:nvGrpSpPr>
+        <p:grpSpPr>
+          <a:xfrm>
+            <a:off x="4588899" y="3607419"/>
+            <a:ext cx="1629212" cy="592057"/>
+            <a:chOff x="7899073" y="1534754"/>
+            <a:chExt cx="1775154" cy="686268"/>
+          </a:xfrm>
+        </p:grpSpPr>
+        <p:sp>
+          <p:nvSpPr>
+            <p:cNvPr id="44" name="Rechteck 43">
+              <a:extLst>
+                <a:ext uri="{FF2B5EF4-FFF2-40B4-BE49-F238E27FC236}">
+                  <a16:creationId xmlns:a16="http://schemas.microsoft.com/office/drawing/2014/main" id="{BF94609D-4AF9-4B22-80A2-9F1833843754}"/>
+                </a:ext>
+              </a:extLst>
+            </p:cNvPr>
+            <p:cNvSpPr/>
+            <p:nvPr/>
+          </p:nvSpPr>
+          <p:spPr>
+            <a:xfrm>
+              <a:off x="7899073" y="1534754"/>
+              <a:ext cx="1775154" cy="686268"/>
+            </a:xfrm>
+            <a:prstGeom prst="rect">
+              <a:avLst/>
+            </a:prstGeom>
+            <a:solidFill>
+              <a:schemeClr val="bg1">
+                <a:lumMod val="65000"/>
+              </a:schemeClr>
+            </a:solidFill>
+          </p:spPr>
+          <p:style>
+            <a:lnRef idx="1">
+              <a:schemeClr val="accent3"/>
+            </a:lnRef>
+            <a:fillRef idx="2">
+              <a:schemeClr val="accent3"/>
+            </a:fillRef>
+            <a:effectRef idx="1">
+              <a:schemeClr val="accent3"/>
+            </a:effectRef>
+            <a:fontRef idx="minor">
+              <a:schemeClr val="dk1"/>
+            </a:fontRef>
+          </p:style>
+          <p:txBody>
+            <a:bodyPr rtlCol="0" anchor="ctr"/>
+            <a:lstStyle/>
+            <a:p>
+              <a:r>
+                <a:rPr lang="de-DE" b="1" dirty="0"/>
+                <a:t>          Request</a:t>
+              </a:r>
+            </a:p>
+            <a:p>
+              <a:r>
+                <a:rPr lang="de-DE" b="1" dirty="0"/>
+                <a:t>          Response</a:t>
+              </a:r>
+            </a:p>
+          </p:txBody>
+        </p:sp>
+        <p:pic>
+          <p:nvPicPr>
+            <p:cNvPr id="45" name="Grafik 44" descr="Kasten">
+              <a:extLst>
+                <a:ext uri="{FF2B5EF4-FFF2-40B4-BE49-F238E27FC236}">
+                  <a16:creationId xmlns:a16="http://schemas.microsoft.com/office/drawing/2014/main" id="{2B774AF5-FF1C-4599-8A79-B98248A5D76D}"/>
+                </a:ext>
+              </a:extLst>
+            </p:cNvPr>
+            <p:cNvPicPr>
+              <a:picLocks noChangeAspect="1"/>
+            </p:cNvPicPr>
+            <p:nvPr/>
+          </p:nvPicPr>
+          <p:blipFill>
+            <a:blip r:embed="rId2">
+              <a:extLst>
+                <a:ext uri="{28A0092B-C50C-407E-A947-70E740481C1C}">
+                  <a14:useLocalDpi xmlns:a14="http://schemas.microsoft.com/office/drawing/2010/main" val="0"/>
+                </a:ext>
+                <a:ext uri="{96DAC541-7B7A-43D3-8B79-37D633B846F1}">
+                  <asvg:svgBlip xmlns:asvg="http://schemas.microsoft.com/office/drawing/2016/SVG/main" r:embed="rId3"/>
+                </a:ext>
+              </a:extLst>
+            </a:blip>
+            <a:stretch>
+              <a:fillRect/>
+            </a:stretch>
+          </p:blipFill>
+          <p:spPr>
+            <a:xfrm>
+              <a:off x="7983084" y="1643691"/>
+              <a:ext cx="468393" cy="468393"/>
+            </a:xfrm>
+            <a:prstGeom prst="rect">
+              <a:avLst/>
+            </a:prstGeom>
+          </p:spPr>
+        </p:pic>
+      </p:grpSp>
+      <p:grpSp>
+        <p:nvGrpSpPr>
+          <p:cNvPr id="46" name="Gruppieren 45">
+            <a:extLst>
+              <a:ext uri="{FF2B5EF4-FFF2-40B4-BE49-F238E27FC236}">
+                <a16:creationId xmlns:a16="http://schemas.microsoft.com/office/drawing/2014/main" id="{B30FA5FD-3568-4146-A78D-E07D13DE275C}"/>
+              </a:ext>
+            </a:extLst>
+          </p:cNvPr>
+          <p:cNvGrpSpPr/>
+          <p:nvPr/>
+        </p:nvGrpSpPr>
+        <p:grpSpPr>
+          <a:xfrm>
+            <a:off x="1492174" y="3279908"/>
+            <a:ext cx="1862367" cy="2721750"/>
+            <a:chOff x="7860472" y="2561428"/>
+            <a:chExt cx="1862367" cy="2721750"/>
+          </a:xfrm>
+        </p:grpSpPr>
+        <p:sp>
+          <p:nvSpPr>
+            <p:cNvPr id="47" name="Rechteck 46">
+              <a:extLst>
+                <a:ext uri="{FF2B5EF4-FFF2-40B4-BE49-F238E27FC236}">
+                  <a16:creationId xmlns:a16="http://schemas.microsoft.com/office/drawing/2014/main" id="{77079F5A-BBB9-48A2-B55D-982489090169}"/>
+                </a:ext>
+              </a:extLst>
+            </p:cNvPr>
+            <p:cNvSpPr/>
+            <p:nvPr/>
+          </p:nvSpPr>
+          <p:spPr>
+            <a:xfrm>
+              <a:off x="7860472" y="2561428"/>
+              <a:ext cx="1862367" cy="2721750"/>
+            </a:xfrm>
+            <a:prstGeom prst="rect">
+              <a:avLst/>
+            </a:prstGeom>
+          </p:spPr>
+          <p:style>
+            <a:lnRef idx="1">
+              <a:schemeClr val="accent3"/>
+            </a:lnRef>
+            <a:fillRef idx="2">
+              <a:schemeClr val="accent3"/>
+            </a:fillRef>
+            <a:effectRef idx="1">
+              <a:schemeClr val="accent3"/>
+            </a:effectRef>
+            <a:fontRef idx="minor">
+              <a:schemeClr val="dk1"/>
+            </a:fontRef>
+          </p:style>
+          <p:txBody>
+            <a:bodyPr rtlCol="0" anchor="ctr"/>
+            <a:lstStyle/>
+            <a:p>
+              <a:pPr algn="ctr"/>
+              <a:r>
+                <a:rPr lang="de-DE" b="1" dirty="0"/>
+                <a:t>   </a:t>
+              </a:r>
+              <a:r>
+                <a:rPr lang="de-DE" b="1" u="sng" dirty="0"/>
+                <a:t>Database</a:t>
+              </a:r>
+            </a:p>
+            <a:p>
+              <a:pPr algn="ctr"/>
+              <a:endParaRPr lang="de-DE" b="1" dirty="0"/>
+            </a:p>
+            <a:p>
+              <a:pPr algn="ctr"/>
+              <a:endParaRPr lang="de-DE" b="1" dirty="0"/>
+            </a:p>
+            <a:p>
+              <a:pPr algn="ctr"/>
+              <a:endParaRPr lang="de-DE" b="1" dirty="0"/>
+            </a:p>
+            <a:p>
+              <a:pPr algn="ctr"/>
+              <a:endParaRPr lang="de-DE" b="1" dirty="0"/>
+            </a:p>
+            <a:p>
+              <a:pPr algn="ctr"/>
+              <a:endParaRPr lang="de-DE" b="1" dirty="0"/>
+            </a:p>
+            <a:p>
+              <a:pPr algn="ctr"/>
+              <a:endParaRPr lang="de-DE" b="1" dirty="0"/>
+            </a:p>
+            <a:p>
+              <a:pPr algn="ctr"/>
+              <a:endParaRPr lang="de-DE" b="1" dirty="0"/>
+            </a:p>
+            <a:p>
+              <a:pPr algn="ctr"/>
+              <a:endParaRPr lang="de-DE" b="1" dirty="0"/>
+            </a:p>
+          </p:txBody>
+        </p:sp>
+        <p:pic>
+          <p:nvPicPr>
+            <p:cNvPr id="48" name="Grafik 47" descr="Kasten">
+              <a:extLst>
+                <a:ext uri="{FF2B5EF4-FFF2-40B4-BE49-F238E27FC236}">
+                  <a16:creationId xmlns:a16="http://schemas.microsoft.com/office/drawing/2014/main" id="{81CC8A66-74EE-4A72-8DEB-93DEEF964E93}"/>
+                </a:ext>
+              </a:extLst>
+            </p:cNvPr>
+            <p:cNvPicPr>
+              <a:picLocks noChangeAspect="1"/>
+            </p:cNvPicPr>
+            <p:nvPr/>
+          </p:nvPicPr>
+          <p:blipFill>
+            <a:blip r:embed="rId2">
+              <a:extLst>
+                <a:ext uri="{28A0092B-C50C-407E-A947-70E740481C1C}">
+                  <a14:useLocalDpi xmlns:a14="http://schemas.microsoft.com/office/drawing/2010/main" val="0"/>
+                </a:ext>
+                <a:ext uri="{96DAC541-7B7A-43D3-8B79-37D633B846F1}">
+                  <asvg:svgBlip xmlns:asvg="http://schemas.microsoft.com/office/drawing/2016/SVG/main" r:embed="rId3"/>
+                </a:ext>
+              </a:extLst>
+            </a:blip>
+            <a:stretch>
+              <a:fillRect/>
+            </a:stretch>
+          </p:blipFill>
+          <p:spPr>
+            <a:xfrm>
+              <a:off x="7860473" y="2598695"/>
+              <a:ext cx="468393" cy="468393"/>
+            </a:xfrm>
+            <a:prstGeom prst="rect">
+              <a:avLst/>
+            </a:prstGeom>
+          </p:spPr>
+        </p:pic>
+      </p:grpSp>
+      <p:grpSp>
+        <p:nvGrpSpPr>
+          <p:cNvPr id="26" name="Gruppieren 25">
+            <a:extLst>
+              <a:ext uri="{FF2B5EF4-FFF2-40B4-BE49-F238E27FC236}">
+                <a16:creationId xmlns:a16="http://schemas.microsoft.com/office/drawing/2014/main" id="{B92E8CEA-FC60-49A0-9850-9DB2037C5805}"/>
+              </a:ext>
+            </a:extLst>
+          </p:cNvPr>
+          <p:cNvGrpSpPr/>
+          <p:nvPr/>
+        </p:nvGrpSpPr>
+        <p:grpSpPr>
+          <a:xfrm>
+            <a:off x="1562258" y="3840105"/>
+            <a:ext cx="1734437" cy="542926"/>
+            <a:chOff x="3877101" y="4111701"/>
+            <a:chExt cx="1734437" cy="542926"/>
+          </a:xfrm>
+        </p:grpSpPr>
+        <p:sp>
+          <p:nvSpPr>
+            <p:cNvPr id="51" name="Rechteck 50">
+              <a:extLst>
+                <a:ext uri="{FF2B5EF4-FFF2-40B4-BE49-F238E27FC236}">
+                  <a16:creationId xmlns:a16="http://schemas.microsoft.com/office/drawing/2014/main" id="{8775C6D9-21AD-4E35-BB29-640637E4EF54}"/>
+                </a:ext>
+              </a:extLst>
+            </p:cNvPr>
+            <p:cNvSpPr/>
+            <p:nvPr/>
+          </p:nvSpPr>
+          <p:spPr>
+            <a:xfrm>
+              <a:off x="3877102" y="4111701"/>
+              <a:ext cx="1734436" cy="542926"/>
+            </a:xfrm>
+            <a:prstGeom prst="rect">
+              <a:avLst/>
+            </a:prstGeom>
+            <a:solidFill>
+              <a:schemeClr val="accent5">
+                <a:lumMod val="60000"/>
+                <a:lumOff val="40000"/>
+              </a:schemeClr>
+            </a:solidFill>
+          </p:spPr>
+          <p:style>
+            <a:lnRef idx="1">
+              <a:schemeClr val="accent3"/>
+            </a:lnRef>
+            <a:fillRef idx="2">
+              <a:schemeClr val="accent3"/>
+            </a:fillRef>
+            <a:effectRef idx="1">
+              <a:schemeClr val="accent3"/>
+            </a:effectRef>
+            <a:fontRef idx="minor">
+              <a:schemeClr val="dk1"/>
+            </a:fontRef>
+          </p:style>
+          <p:txBody>
+            <a:bodyPr rtlCol="0" anchor="ctr"/>
+            <a:lstStyle/>
+            <a:p>
+              <a:pPr algn="r"/>
+              <a:r>
+                <a:rPr lang="de-DE" b="1" dirty="0"/>
+                <a:t>XY-Database</a:t>
+              </a:r>
+            </a:p>
+          </p:txBody>
+        </p:sp>
+        <p:pic>
+          <p:nvPicPr>
+            <p:cNvPr id="18" name="Grafik 17" descr="Checkliste">
+              <a:extLst>
+                <a:ext uri="{FF2B5EF4-FFF2-40B4-BE49-F238E27FC236}">
+                  <a16:creationId xmlns:a16="http://schemas.microsoft.com/office/drawing/2014/main" id="{D76EEC2E-EEE3-4C3D-9DA8-756DF37068B9}"/>
+                </a:ext>
+              </a:extLst>
+            </p:cNvPr>
+            <p:cNvPicPr>
+              <a:picLocks noChangeAspect="1"/>
+            </p:cNvPicPr>
+            <p:nvPr/>
+          </p:nvPicPr>
+          <p:blipFill>
+            <a:blip r:embed="rId4">
+              <a:extLst>
+                <a:ext uri="{28A0092B-C50C-407E-A947-70E740481C1C}">
+                  <a14:useLocalDpi xmlns:a14="http://schemas.microsoft.com/office/drawing/2010/main" val="0"/>
+                </a:ext>
+                <a:ext uri="{96DAC541-7B7A-43D3-8B79-37D633B846F1}">
+                  <asvg:svgBlip xmlns:asvg="http://schemas.microsoft.com/office/drawing/2016/SVG/main" r:embed="rId5"/>
+                </a:ext>
+              </a:extLst>
+            </a:blip>
+            <a:stretch>
+              <a:fillRect/>
+            </a:stretch>
+          </p:blipFill>
+          <p:spPr>
+            <a:xfrm>
+              <a:off x="3877101" y="4161555"/>
+              <a:ext cx="443218" cy="443218"/>
+            </a:xfrm>
+            <a:prstGeom prst="rect">
+              <a:avLst/>
+            </a:prstGeom>
+          </p:spPr>
+        </p:pic>
+      </p:grpSp>
+      <p:grpSp>
+        <p:nvGrpSpPr>
+          <p:cNvPr id="53" name="Gruppieren 52">
+            <a:extLst>
+              <a:ext uri="{FF2B5EF4-FFF2-40B4-BE49-F238E27FC236}">
+                <a16:creationId xmlns:a16="http://schemas.microsoft.com/office/drawing/2014/main" id="{52851703-11F2-497A-864E-879E450B4342}"/>
+              </a:ext>
+            </a:extLst>
+          </p:cNvPr>
+          <p:cNvGrpSpPr/>
+          <p:nvPr/>
+        </p:nvGrpSpPr>
+        <p:grpSpPr>
+          <a:xfrm>
+            <a:off x="1492174" y="1492909"/>
+            <a:ext cx="1862367" cy="1326885"/>
+            <a:chOff x="7860472" y="2561428"/>
+            <a:chExt cx="1862367" cy="1326885"/>
+          </a:xfrm>
+        </p:grpSpPr>
+        <p:sp>
+          <p:nvSpPr>
+            <p:cNvPr id="54" name="Rechteck 53">
+              <a:extLst>
+                <a:ext uri="{FF2B5EF4-FFF2-40B4-BE49-F238E27FC236}">
+                  <a16:creationId xmlns:a16="http://schemas.microsoft.com/office/drawing/2014/main" id="{B1E57E3B-F22C-443E-BA8E-70432B64FA81}"/>
+                </a:ext>
+              </a:extLst>
+            </p:cNvPr>
+            <p:cNvSpPr/>
+            <p:nvPr/>
+          </p:nvSpPr>
+          <p:spPr>
+            <a:xfrm>
+              <a:off x="7860472" y="2561428"/>
+              <a:ext cx="1862367" cy="1326885"/>
+            </a:xfrm>
+            <a:prstGeom prst="rect">
+              <a:avLst/>
+            </a:prstGeom>
+          </p:spPr>
+          <p:style>
+            <a:lnRef idx="1">
+              <a:schemeClr val="accent3"/>
+            </a:lnRef>
+            <a:fillRef idx="2">
+              <a:schemeClr val="accent3"/>
+            </a:fillRef>
+            <a:effectRef idx="1">
+              <a:schemeClr val="accent3"/>
+            </a:effectRef>
+            <a:fontRef idx="minor">
+              <a:schemeClr val="dk1"/>
+            </a:fontRef>
+          </p:style>
+          <p:txBody>
+            <a:bodyPr rtlCol="0" anchor="ctr"/>
+            <a:lstStyle/>
+            <a:p>
+              <a:pPr algn="ctr"/>
+              <a:r>
+                <a:rPr lang="de-DE" b="1" dirty="0"/>
+                <a:t>   </a:t>
+              </a:r>
+              <a:r>
+                <a:rPr lang="de-DE" b="1" u="sng" dirty="0"/>
+                <a:t>Controller</a:t>
+              </a:r>
+              <a:endParaRPr lang="de-DE" b="1" dirty="0"/>
+            </a:p>
+            <a:p>
+              <a:pPr algn="ctr"/>
+              <a:endParaRPr lang="de-DE" b="1" dirty="0"/>
+            </a:p>
+            <a:p>
+              <a:pPr algn="ctr"/>
+              <a:endParaRPr lang="de-DE" b="1" dirty="0"/>
+            </a:p>
+            <a:p>
+              <a:pPr algn="ctr"/>
+              <a:endParaRPr lang="de-DE" b="1" dirty="0"/>
+            </a:p>
+          </p:txBody>
+        </p:sp>
+        <p:pic>
+          <p:nvPicPr>
+            <p:cNvPr id="55" name="Grafik 54" descr="Kasten">
+              <a:extLst>
+                <a:ext uri="{FF2B5EF4-FFF2-40B4-BE49-F238E27FC236}">
+                  <a16:creationId xmlns:a16="http://schemas.microsoft.com/office/drawing/2014/main" id="{8DB2094C-1FA3-4396-AE61-A31688F02871}"/>
+                </a:ext>
+              </a:extLst>
+            </p:cNvPr>
+            <p:cNvPicPr>
+              <a:picLocks noChangeAspect="1"/>
+            </p:cNvPicPr>
+            <p:nvPr/>
+          </p:nvPicPr>
+          <p:blipFill>
+            <a:blip r:embed="rId2">
+              <a:extLst>
+                <a:ext uri="{28A0092B-C50C-407E-A947-70E740481C1C}">
+                  <a14:useLocalDpi xmlns:a14="http://schemas.microsoft.com/office/drawing/2010/main" val="0"/>
+                </a:ext>
+                <a:ext uri="{96DAC541-7B7A-43D3-8B79-37D633B846F1}">
+                  <asvg:svgBlip xmlns:asvg="http://schemas.microsoft.com/office/drawing/2016/SVG/main" r:embed="rId3"/>
+                </a:ext>
+              </a:extLst>
+            </a:blip>
+            <a:stretch>
+              <a:fillRect/>
+            </a:stretch>
+          </p:blipFill>
+          <p:spPr>
+            <a:xfrm>
+              <a:off x="7860473" y="2598695"/>
+              <a:ext cx="468393" cy="468393"/>
+            </a:xfrm>
+            <a:prstGeom prst="rect">
+              <a:avLst/>
+            </a:prstGeom>
+          </p:spPr>
+        </p:pic>
+      </p:grpSp>
+      <p:grpSp>
+        <p:nvGrpSpPr>
+          <p:cNvPr id="56" name="Gruppieren 55">
+            <a:extLst>
+              <a:ext uri="{FF2B5EF4-FFF2-40B4-BE49-F238E27FC236}">
+                <a16:creationId xmlns:a16="http://schemas.microsoft.com/office/drawing/2014/main" id="{698D7059-02F1-49F5-851F-705F3DB4552E}"/>
+              </a:ext>
+            </a:extLst>
+          </p:cNvPr>
+          <p:cNvGrpSpPr/>
+          <p:nvPr/>
+        </p:nvGrpSpPr>
+        <p:grpSpPr>
+          <a:xfrm>
+            <a:off x="1539413" y="2087620"/>
+            <a:ext cx="1777079" cy="542926"/>
+            <a:chOff x="3877101" y="4111701"/>
+            <a:chExt cx="1777079" cy="542926"/>
+          </a:xfrm>
+        </p:grpSpPr>
+        <p:sp>
+          <p:nvSpPr>
+            <p:cNvPr id="57" name="Rechteck 56">
+              <a:extLst>
+                <a:ext uri="{FF2B5EF4-FFF2-40B4-BE49-F238E27FC236}">
+                  <a16:creationId xmlns:a16="http://schemas.microsoft.com/office/drawing/2014/main" id="{0336D58A-E2D8-4804-88CC-D9BBC56C249F}"/>
+                </a:ext>
+              </a:extLst>
+            </p:cNvPr>
+            <p:cNvSpPr/>
+            <p:nvPr/>
+          </p:nvSpPr>
+          <p:spPr>
+            <a:xfrm>
+              <a:off x="3877101" y="4111701"/>
+              <a:ext cx="1777079" cy="542926"/>
+            </a:xfrm>
+            <a:prstGeom prst="rect">
+              <a:avLst/>
+            </a:prstGeom>
+            <a:solidFill>
+              <a:schemeClr val="accent5">
+                <a:lumMod val="60000"/>
+                <a:lumOff val="40000"/>
+              </a:schemeClr>
+            </a:solidFill>
+          </p:spPr>
+          <p:style>
+            <a:lnRef idx="1">
+              <a:schemeClr val="accent3"/>
+            </a:lnRef>
+            <a:fillRef idx="2">
+              <a:schemeClr val="accent3"/>
+            </a:fillRef>
+            <a:effectRef idx="1">
+              <a:schemeClr val="accent3"/>
+            </a:effectRef>
+            <a:fontRef idx="minor">
+              <a:schemeClr val="dk1"/>
+            </a:fontRef>
+          </p:style>
+          <p:txBody>
+            <a:bodyPr rtlCol="0" anchor="ctr"/>
+            <a:lstStyle/>
+            <a:p>
+              <a:pPr algn="r"/>
+              <a:r>
+                <a:rPr lang="de-DE" b="1" dirty="0"/>
+                <a:t>XY-Controller</a:t>
+              </a:r>
+            </a:p>
+          </p:txBody>
+        </p:sp>
+        <p:pic>
+          <p:nvPicPr>
+            <p:cNvPr id="58" name="Grafik 57" descr="Checkliste">
+              <a:extLst>
+                <a:ext uri="{FF2B5EF4-FFF2-40B4-BE49-F238E27FC236}">
+                  <a16:creationId xmlns:a16="http://schemas.microsoft.com/office/drawing/2014/main" id="{56D56329-0CE9-48A7-A657-354FA15611FB}"/>
+                </a:ext>
+              </a:extLst>
+            </p:cNvPr>
+            <p:cNvPicPr>
+              <a:picLocks noChangeAspect="1"/>
+            </p:cNvPicPr>
+            <p:nvPr/>
+          </p:nvPicPr>
+          <p:blipFill>
+            <a:blip r:embed="rId4">
+              <a:extLst>
+                <a:ext uri="{28A0092B-C50C-407E-A947-70E740481C1C}">
+                  <a14:useLocalDpi xmlns:a14="http://schemas.microsoft.com/office/drawing/2010/main" val="0"/>
+                </a:ext>
+                <a:ext uri="{96DAC541-7B7A-43D3-8B79-37D633B846F1}">
+                  <asvg:svgBlip xmlns:asvg="http://schemas.microsoft.com/office/drawing/2016/SVG/main" r:embed="rId5"/>
+                </a:ext>
+              </a:extLst>
+            </a:blip>
+            <a:stretch>
+              <a:fillRect/>
+            </a:stretch>
+          </p:blipFill>
+          <p:spPr>
+            <a:xfrm>
+              <a:off x="3877101" y="4161555"/>
+              <a:ext cx="443218" cy="443218"/>
+            </a:xfrm>
+            <a:prstGeom prst="rect">
+              <a:avLst/>
+            </a:prstGeom>
+          </p:spPr>
+        </p:pic>
+      </p:grpSp>
+      <p:sp>
+        <p:nvSpPr>
+          <p:cNvPr id="64" name="Rechteck 63">
+            <a:extLst>
+              <a:ext uri="{FF2B5EF4-FFF2-40B4-BE49-F238E27FC236}">
+                <a16:creationId xmlns:a16="http://schemas.microsoft.com/office/drawing/2014/main" id="{6C041713-87A0-405E-AC70-9BBC8F76349E}"/>
+              </a:ext>
+            </a:extLst>
+          </p:cNvPr>
+          <p:cNvSpPr/>
+          <p:nvPr/>
+        </p:nvSpPr>
+        <p:spPr>
+          <a:xfrm>
+            <a:off x="1562259" y="4741852"/>
+            <a:ext cx="1734436" cy="1196499"/>
+          </a:xfrm>
+          <a:prstGeom prst="rect">
+            <a:avLst/>
+          </a:prstGeom>
+          <a:solidFill>
+            <a:schemeClr val="bg1">
+              <a:lumMod val="65000"/>
+            </a:schemeClr>
+          </a:solidFill>
+        </p:spPr>
+        <p:style>
+          <a:lnRef idx="1">
+            <a:schemeClr val="accent3"/>
+          </a:lnRef>
+          <a:fillRef idx="2">
+            <a:schemeClr val="accent3"/>
+          </a:fillRef>
+          <a:effectRef idx="1">
+            <a:schemeClr val="accent3"/>
+          </a:effectRef>
+          <a:fontRef idx="minor">
+            <a:schemeClr val="dk1"/>
+          </a:fontRef>
+        </p:style>
+        <p:txBody>
+          <a:bodyPr rtlCol="0" anchor="ctr"/>
+          <a:lstStyle/>
+          <a:p>
+            <a:pPr algn="ctr"/>
+            <a:r>
+              <a:rPr lang="de-DE" b="1" dirty="0"/>
+              <a:t>     Repository</a:t>
+            </a:r>
+          </a:p>
+          <a:p>
+            <a:pPr algn="ctr"/>
+            <a:endParaRPr lang="de-DE" b="1" dirty="0"/>
+          </a:p>
+          <a:p>
+            <a:pPr algn="ctr"/>
+            <a:endParaRPr lang="de-DE" sz="800" b="1" dirty="0"/>
+          </a:p>
+          <a:p>
+            <a:pPr algn="ctr"/>
+            <a:endParaRPr lang="de-DE" sz="800" b="1" dirty="0"/>
+          </a:p>
+          <a:p>
+            <a:pPr algn="ctr"/>
+            <a:endParaRPr lang="de-DE" sz="800" b="1" dirty="0"/>
+          </a:p>
+        </p:txBody>
+      </p:sp>
+      <p:sp>
+        <p:nvSpPr>
+          <p:cNvPr id="66" name="Rechteck 65">
+            <a:extLst>
+              <a:ext uri="{FF2B5EF4-FFF2-40B4-BE49-F238E27FC236}">
+                <a16:creationId xmlns:a16="http://schemas.microsoft.com/office/drawing/2014/main" id="{75A8F3D5-F552-4A7E-8068-9F26B4C43AD6}"/>
+              </a:ext>
+            </a:extLst>
+          </p:cNvPr>
+          <p:cNvSpPr/>
+          <p:nvPr/>
+        </p:nvSpPr>
+        <p:spPr>
+          <a:xfrm>
+            <a:off x="1617144" y="5325215"/>
+            <a:ext cx="1652110" cy="542926"/>
+          </a:xfrm>
+          <a:prstGeom prst="rect">
+            <a:avLst/>
+          </a:prstGeom>
+          <a:solidFill>
+            <a:schemeClr val="accent6">
+              <a:lumMod val="60000"/>
+              <a:lumOff val="40000"/>
+            </a:schemeClr>
+          </a:solidFill>
+        </p:spPr>
+        <p:style>
+          <a:lnRef idx="1">
+            <a:schemeClr val="accent3"/>
+          </a:lnRef>
+          <a:fillRef idx="2">
+            <a:schemeClr val="accent3"/>
+          </a:fillRef>
+          <a:effectRef idx="1">
+            <a:schemeClr val="accent3"/>
+          </a:effectRef>
+          <a:fontRef idx="minor">
+            <a:schemeClr val="dk1"/>
+          </a:fontRef>
+        </p:style>
+        <p:txBody>
+          <a:bodyPr rtlCol="0" anchor="ctr"/>
+          <a:lstStyle/>
+          <a:p>
+            <a:pPr algn="r"/>
+            <a:r>
+              <a:rPr lang="de-DE" b="1" dirty="0"/>
+              <a:t>XY-JPA-</a:t>
+            </a:r>
+            <a:r>
+              <a:rPr lang="de-DE" b="1" dirty="0" err="1"/>
+              <a:t>Repo</a:t>
+            </a:r>
+            <a:endParaRPr lang="de-DE" b="1" dirty="0"/>
+          </a:p>
+        </p:txBody>
+      </p:sp>
+      <p:pic>
+        <p:nvPicPr>
+          <p:cNvPr id="61" name="Grafik 60" descr="Liste">
+            <a:extLst>
+              <a:ext uri="{FF2B5EF4-FFF2-40B4-BE49-F238E27FC236}">
+                <a16:creationId xmlns:a16="http://schemas.microsoft.com/office/drawing/2014/main" id="{613C4D55-1770-4C9E-B8CE-5E0A1F4CE468}"/>
+              </a:ext>
+            </a:extLst>
+          </p:cNvPr>
+          <p:cNvPicPr>
+            <a:picLocks noChangeAspect="1"/>
+          </p:cNvPicPr>
+          <p:nvPr/>
+        </p:nvPicPr>
+        <p:blipFill>
+          <a:blip r:embed="rId6">
+            <a:extLst>
+              <a:ext uri="{28A0092B-C50C-407E-A947-70E740481C1C}">
+                <a14:useLocalDpi xmlns:a14="http://schemas.microsoft.com/office/drawing/2010/main" val="0"/>
+              </a:ext>
+              <a:ext uri="{96DAC541-7B7A-43D3-8B79-37D633B846F1}">
+                <asvg:svgBlip xmlns:asvg="http://schemas.microsoft.com/office/drawing/2016/SVG/main" r:embed="rId7"/>
+              </a:ext>
+            </a:extLst>
+          </a:blip>
+          <a:stretch>
+            <a:fillRect/>
+          </a:stretch>
+        </p:blipFill>
+        <p:spPr>
+          <a:xfrm>
+            <a:off x="1579094" y="5371125"/>
+            <a:ext cx="451106" cy="451106"/>
+          </a:xfrm>
+          <a:prstGeom prst="rect">
+            <a:avLst/>
+          </a:prstGeom>
+        </p:spPr>
+      </p:pic>
+      <p:pic>
+        <p:nvPicPr>
+          <p:cNvPr id="65" name="Grafik 64" descr="Kasten">
+            <a:extLst>
+              <a:ext uri="{FF2B5EF4-FFF2-40B4-BE49-F238E27FC236}">
+                <a16:creationId xmlns:a16="http://schemas.microsoft.com/office/drawing/2014/main" id="{17F5EDA6-A9C8-479D-89CB-6A403CCAAB34}"/>
+              </a:ext>
+            </a:extLst>
+          </p:cNvPr>
+          <p:cNvPicPr>
+            <a:picLocks noChangeAspect="1"/>
+          </p:cNvPicPr>
+          <p:nvPr/>
+        </p:nvPicPr>
+        <p:blipFill>
+          <a:blip r:embed="rId2">
+            <a:extLst>
+              <a:ext uri="{28A0092B-C50C-407E-A947-70E740481C1C}">
+                <a14:useLocalDpi xmlns:a14="http://schemas.microsoft.com/office/drawing/2010/main" val="0"/>
+              </a:ext>
+              <a:ext uri="{96DAC541-7B7A-43D3-8B79-37D633B846F1}">
+                <asvg:svgBlip xmlns:asvg="http://schemas.microsoft.com/office/drawing/2016/SVG/main" r:embed="rId8"/>
+              </a:ext>
+            </a:extLst>
+          </a:blip>
+          <a:stretch>
+            <a:fillRect/>
+          </a:stretch>
+        </p:blipFill>
+        <p:spPr>
+          <a:xfrm>
+            <a:off x="1579094" y="4769665"/>
+            <a:ext cx="468393" cy="468393"/>
+          </a:xfrm>
+          <a:prstGeom prst="rect">
+            <a:avLst/>
+          </a:prstGeom>
+        </p:spPr>
+      </p:pic>
+      <p:cxnSp>
+        <p:nvCxnSpPr>
+          <p:cNvPr id="68" name="Verbinder: gewinkelt 67">
+            <a:extLst>
+              <a:ext uri="{FF2B5EF4-FFF2-40B4-BE49-F238E27FC236}">
+                <a16:creationId xmlns:a16="http://schemas.microsoft.com/office/drawing/2014/main" id="{A8AB4418-A0EC-4F41-B70A-AF09352E0FCE}"/>
+              </a:ext>
+            </a:extLst>
+          </p:cNvPr>
+          <p:cNvCxnSpPr>
+            <a:cxnSpLocks/>
+            <a:stCxn id="57" idx="3"/>
+            <a:endCxn id="38" idx="0"/>
+          </p:cNvCxnSpPr>
+          <p:nvPr/>
+        </p:nvCxnSpPr>
+        <p:spPr>
+          <a:xfrm>
+            <a:off x="3316492" y="2359083"/>
+            <a:ext cx="2091610" cy="527989"/>
+          </a:xfrm>
+          <a:prstGeom prst="bentConnector2">
+            <a:avLst/>
+          </a:prstGeom>
+          <a:ln>
+            <a:tailEnd type="triangle"/>
+          </a:ln>
+        </p:spPr>
+        <p:style>
+          <a:lnRef idx="3">
+            <a:schemeClr val="dk1"/>
+          </a:lnRef>
+          <a:fillRef idx="0">
+            <a:schemeClr val="dk1"/>
+          </a:fillRef>
+          <a:effectRef idx="2">
+            <a:schemeClr val="dk1"/>
+          </a:effectRef>
+          <a:fontRef idx="minor">
+            <a:schemeClr val="tx1"/>
+          </a:fontRef>
+        </p:style>
+      </p:cxnSp>
+      <p:cxnSp>
+        <p:nvCxnSpPr>
+          <p:cNvPr id="77" name="Verbinder: gewinkelt 76">
+            <a:extLst>
+              <a:ext uri="{FF2B5EF4-FFF2-40B4-BE49-F238E27FC236}">
+                <a16:creationId xmlns:a16="http://schemas.microsoft.com/office/drawing/2014/main" id="{B54E9325-2575-4152-8DDE-AA26DE2C410C}"/>
+              </a:ext>
+            </a:extLst>
+          </p:cNvPr>
+          <p:cNvCxnSpPr>
+            <a:cxnSpLocks/>
+            <a:stCxn id="57" idx="2"/>
+            <a:endCxn id="18" idx="1"/>
+          </p:cNvCxnSpPr>
+          <p:nvPr/>
+        </p:nvCxnSpPr>
+        <p:spPr>
+          <a:xfrm rot="5400000">
+            <a:off x="1254595" y="2938210"/>
+            <a:ext cx="1481022" cy="865695"/>
+          </a:xfrm>
+          <a:prstGeom prst="bentConnector4">
+            <a:avLst>
+              <a:gd name="adj1" fmla="val 27791"/>
+              <a:gd name="adj2" fmla="val 126407"/>
+            </a:avLst>
+          </a:prstGeom>
+          <a:ln>
+            <a:tailEnd type="triangle"/>
+          </a:ln>
+        </p:spPr>
+        <p:style>
+          <a:lnRef idx="3">
+            <a:schemeClr val="dk1"/>
+          </a:lnRef>
+          <a:fillRef idx="0">
+            <a:schemeClr val="dk1"/>
+          </a:fillRef>
+          <a:effectRef idx="2">
+            <a:schemeClr val="dk1"/>
+          </a:effectRef>
+          <a:fontRef idx="minor">
+            <a:schemeClr val="tx1"/>
+          </a:fontRef>
+        </p:style>
+      </p:cxnSp>
+      <p:cxnSp>
+        <p:nvCxnSpPr>
+          <p:cNvPr id="81" name="Verbinder: gewinkelt 80">
+            <a:extLst>
+              <a:ext uri="{FF2B5EF4-FFF2-40B4-BE49-F238E27FC236}">
+                <a16:creationId xmlns:a16="http://schemas.microsoft.com/office/drawing/2014/main" id="{E0B6BF98-41E1-4565-A117-BDF8BC9DA61D}"/>
+              </a:ext>
+            </a:extLst>
+          </p:cNvPr>
+          <p:cNvCxnSpPr>
+            <a:cxnSpLocks/>
+            <a:stCxn id="51" idx="2"/>
+            <a:endCxn id="61" idx="1"/>
+          </p:cNvCxnSpPr>
+          <p:nvPr/>
+        </p:nvCxnSpPr>
+        <p:spPr>
+          <a:xfrm rot="5400000">
+            <a:off x="1397463" y="4564663"/>
+            <a:ext cx="1213647" cy="850383"/>
+          </a:xfrm>
+          <a:prstGeom prst="bentConnector4">
+            <a:avLst>
+              <a:gd name="adj1" fmla="val 17898"/>
+              <a:gd name="adj2" fmla="val 126882"/>
+            </a:avLst>
+          </a:prstGeom>
+          <a:ln>
+            <a:tailEnd type="triangle"/>
+          </a:ln>
+        </p:spPr>
+        <p:style>
+          <a:lnRef idx="3">
+            <a:schemeClr val="dk1"/>
+          </a:lnRef>
+          <a:fillRef idx="0">
+            <a:schemeClr val="dk1"/>
+          </a:fillRef>
+          <a:effectRef idx="2">
+            <a:schemeClr val="dk1"/>
+          </a:effectRef>
+          <a:fontRef idx="minor">
+            <a:schemeClr val="tx1"/>
+          </a:fontRef>
+        </p:style>
+      </p:cxnSp>
+      <p:cxnSp>
+        <p:nvCxnSpPr>
+          <p:cNvPr id="103" name="Verbinder: gewinkelt 102">
+            <a:extLst>
+              <a:ext uri="{FF2B5EF4-FFF2-40B4-BE49-F238E27FC236}">
+                <a16:creationId xmlns:a16="http://schemas.microsoft.com/office/drawing/2014/main" id="{398345F6-8A06-49B6-90C2-B3801A961C84}"/>
+              </a:ext>
+            </a:extLst>
+          </p:cNvPr>
+          <p:cNvCxnSpPr>
+            <a:cxnSpLocks/>
+            <a:stCxn id="51" idx="3"/>
+            <a:endCxn id="41" idx="1"/>
+          </p:cNvCxnSpPr>
+          <p:nvPr/>
+        </p:nvCxnSpPr>
+        <p:spPr>
+          <a:xfrm>
+            <a:off x="3296695" y="4111568"/>
+            <a:ext cx="1292204" cy="624211"/>
+          </a:xfrm>
+          <a:prstGeom prst="bentConnector3">
+            <a:avLst>
+              <a:gd name="adj1" fmla="val 49631"/>
+            </a:avLst>
+          </a:prstGeom>
+          <a:ln>
+            <a:tailEnd type="triangle"/>
+          </a:ln>
+        </p:spPr>
+        <p:style>
+          <a:lnRef idx="3">
+            <a:schemeClr val="dk1"/>
+          </a:lnRef>
+          <a:fillRef idx="0">
+            <a:schemeClr val="dk1"/>
+          </a:fillRef>
+          <a:effectRef idx="2">
+            <a:schemeClr val="dk1"/>
+          </a:effectRef>
+          <a:fontRef idx="minor">
+            <a:schemeClr val="tx1"/>
+          </a:fontRef>
+        </p:style>
+      </p:cxnSp>
+      <p:cxnSp>
+        <p:nvCxnSpPr>
+          <p:cNvPr id="106" name="Verbinder: gewinkelt 105">
+            <a:extLst>
+              <a:ext uri="{FF2B5EF4-FFF2-40B4-BE49-F238E27FC236}">
+                <a16:creationId xmlns:a16="http://schemas.microsoft.com/office/drawing/2014/main" id="{697C4F76-2A52-470B-8212-4655EC8981DE}"/>
+              </a:ext>
+            </a:extLst>
+          </p:cNvPr>
+          <p:cNvCxnSpPr>
+            <a:cxnSpLocks/>
+            <a:stCxn id="66" idx="3"/>
+            <a:endCxn id="41" idx="1"/>
+          </p:cNvCxnSpPr>
+          <p:nvPr/>
+        </p:nvCxnSpPr>
+        <p:spPr>
+          <a:xfrm flipV="1">
+            <a:off x="3269254" y="4735779"/>
+            <a:ext cx="1319645" cy="860899"/>
+          </a:xfrm>
+          <a:prstGeom prst="bentConnector3">
+            <a:avLst>
+              <a:gd name="adj1" fmla="val 50636"/>
+            </a:avLst>
+          </a:prstGeom>
+          <a:ln>
+            <a:tailEnd type="triangle"/>
+          </a:ln>
+        </p:spPr>
+        <p:style>
+          <a:lnRef idx="3">
+            <a:schemeClr val="dk1"/>
+          </a:lnRef>
+          <a:fillRef idx="0">
+            <a:schemeClr val="dk1"/>
+          </a:fillRef>
+          <a:effectRef idx="2">
+            <a:schemeClr val="dk1"/>
+          </a:effectRef>
+          <a:fontRef idx="minor">
+            <a:schemeClr val="tx1"/>
+          </a:fontRef>
+        </p:style>
+      </p:cxnSp>
+      <p:sp>
+        <p:nvSpPr>
+          <p:cNvPr id="119" name="Rechteck 118">
+            <a:extLst>
+              <a:ext uri="{FF2B5EF4-FFF2-40B4-BE49-F238E27FC236}">
+                <a16:creationId xmlns:a16="http://schemas.microsoft.com/office/drawing/2014/main" id="{D9012863-7BC6-4F92-83F9-28228EF09CE9}"/>
+              </a:ext>
+            </a:extLst>
+          </p:cNvPr>
+          <p:cNvSpPr/>
+          <p:nvPr/>
+        </p:nvSpPr>
+        <p:spPr>
+          <a:xfrm>
+            <a:off x="7515834" y="4695726"/>
+            <a:ext cx="1846244" cy="542926"/>
+          </a:xfrm>
+          <a:prstGeom prst="rect">
+            <a:avLst/>
+          </a:prstGeom>
+          <a:solidFill>
+            <a:schemeClr val="accent5">
+              <a:lumMod val="60000"/>
+              <a:lumOff val="40000"/>
+            </a:schemeClr>
+          </a:solidFill>
+        </p:spPr>
+        <p:style>
+          <a:lnRef idx="1">
+            <a:schemeClr val="accent3"/>
+          </a:lnRef>
+          <a:fillRef idx="2">
+            <a:schemeClr val="accent3"/>
+          </a:fillRef>
+          <a:effectRef idx="1">
+            <a:schemeClr val="accent3"/>
+          </a:effectRef>
+          <a:fontRef idx="minor">
+            <a:schemeClr val="dk1"/>
+          </a:fontRef>
+        </p:style>
+        <p:txBody>
+          <a:bodyPr rtlCol="0" anchor="ctr"/>
+          <a:lstStyle/>
+          <a:p>
+            <a:pPr algn="ctr"/>
+            <a:r>
+              <a:rPr lang="de-DE" b="1" dirty="0"/>
+              <a:t>  </a:t>
+            </a:r>
+            <a:r>
+              <a:rPr lang="de-DE" b="1" dirty="0" err="1"/>
+              <a:t>SpringApp</a:t>
+            </a:r>
+            <a:endParaRPr lang="de-DE" b="1" dirty="0"/>
+          </a:p>
+        </p:txBody>
+      </p:sp>
+      <p:pic>
+        <p:nvPicPr>
+          <p:cNvPr id="120" name="Grafik 119" descr="Checkliste">
+            <a:extLst>
+              <a:ext uri="{FF2B5EF4-FFF2-40B4-BE49-F238E27FC236}">
+                <a16:creationId xmlns:a16="http://schemas.microsoft.com/office/drawing/2014/main" id="{57AA68A7-574D-46AD-95CA-F37D72DF7179}"/>
+              </a:ext>
+            </a:extLst>
+          </p:cNvPr>
+          <p:cNvPicPr>
+            <a:picLocks noChangeAspect="1"/>
+          </p:cNvPicPr>
+          <p:nvPr/>
+        </p:nvPicPr>
+        <p:blipFill>
+          <a:blip r:embed="rId4">
+            <a:extLst>
+              <a:ext uri="{28A0092B-C50C-407E-A947-70E740481C1C}">
+                <a14:useLocalDpi xmlns:a14="http://schemas.microsoft.com/office/drawing/2010/main" val="0"/>
+              </a:ext>
+              <a:ext uri="{96DAC541-7B7A-43D3-8B79-37D633B846F1}">
+                <asvg:svgBlip xmlns:asvg="http://schemas.microsoft.com/office/drawing/2016/SVG/main" r:embed="rId5"/>
+              </a:ext>
+            </a:extLst>
+          </a:blip>
+          <a:stretch>
+            <a:fillRect/>
+          </a:stretch>
+        </p:blipFill>
+        <p:spPr>
+          <a:xfrm>
+            <a:off x="7515834" y="4745580"/>
+            <a:ext cx="443218" cy="443218"/>
+          </a:xfrm>
+          <a:prstGeom prst="rect">
+            <a:avLst/>
+          </a:prstGeom>
+        </p:spPr>
+      </p:pic>
+      <p:cxnSp>
+        <p:nvCxnSpPr>
+          <p:cNvPr id="126" name="Gerader Verbinder 125">
+            <a:extLst>
+              <a:ext uri="{FF2B5EF4-FFF2-40B4-BE49-F238E27FC236}">
+                <a16:creationId xmlns:a16="http://schemas.microsoft.com/office/drawing/2014/main" id="{6207DBE3-07D1-43F5-81CA-A3A51849EB11}"/>
+              </a:ext>
+            </a:extLst>
+          </p:cNvPr>
+          <p:cNvCxnSpPr>
+            <a:cxnSpLocks/>
+          </p:cNvCxnSpPr>
+          <p:nvPr/>
+        </p:nvCxnSpPr>
+        <p:spPr>
+          <a:xfrm>
+            <a:off x="6934200" y="0"/>
+            <a:ext cx="0" cy="6858000"/>
+          </a:xfrm>
+          <a:prstGeom prst="line">
+            <a:avLst/>
+          </a:prstGeom>
+          <a:ln w="50800">
+            <a:tailEnd type="none"/>
+          </a:ln>
+        </p:spPr>
+        <p:style>
+          <a:lnRef idx="3">
+            <a:schemeClr val="dk1"/>
+          </a:lnRef>
+          <a:fillRef idx="0">
+            <a:schemeClr val="dk1"/>
+          </a:fillRef>
+          <a:effectRef idx="2">
+            <a:schemeClr val="dk1"/>
+          </a:effectRef>
+          <a:fontRef idx="minor">
+            <a:schemeClr val="tx1"/>
+          </a:fontRef>
+        </p:style>
+      </p:cxnSp>
+    </p:spTree>
+    <p:extLst>
+      <p:ext uri="{BB962C8B-B14F-4D97-AF65-F5344CB8AC3E}">
+        <p14:creationId xmlns:p14="http://schemas.microsoft.com/office/powerpoint/2010/main" val="1339466901"/>
       </p:ext>
     </p:extLst>
   </p:cSld>

--- a/.documentation/files/Modelling.pptx
+++ b/.documentation/files/Modelling.pptx
@@ -8,6 +8,7 @@
     <p:sldId id="256" r:id="rId2"/>
     <p:sldId id="257" r:id="rId3"/>
     <p:sldId id="258" r:id="rId4"/>
+    <p:sldId id="259" r:id="rId5"/>
   </p:sldIdLst>
   <p:sldSz cx="12192000" cy="6858000"/>
   <p:notesSz cx="6858000" cy="9144000"/>
@@ -273,7 +274,7 @@
           <a:p>
             <a:fld id="{B87E87A3-17E7-47D1-91ED-CED11AD9B4A0}" type="datetimeFigureOut">
               <a:rPr lang="de-DE" smtClean="0"/>
-              <a:t>12.03.2021</a:t>
+              <a:t>13.03.2021</a:t>
             </a:fld>
             <a:endParaRPr lang="de-DE"/>
           </a:p>
@@ -471,7 +472,7 @@
           <a:p>
             <a:fld id="{B87E87A3-17E7-47D1-91ED-CED11AD9B4A0}" type="datetimeFigureOut">
               <a:rPr lang="de-DE" smtClean="0"/>
-              <a:t>12.03.2021</a:t>
+              <a:t>13.03.2021</a:t>
             </a:fld>
             <a:endParaRPr lang="de-DE"/>
           </a:p>
@@ -679,7 +680,7 @@
           <a:p>
             <a:fld id="{B87E87A3-17E7-47D1-91ED-CED11AD9B4A0}" type="datetimeFigureOut">
               <a:rPr lang="de-DE" smtClean="0"/>
-              <a:t>12.03.2021</a:t>
+              <a:t>13.03.2021</a:t>
             </a:fld>
             <a:endParaRPr lang="de-DE"/>
           </a:p>
@@ -877,7 +878,7 @@
           <a:p>
             <a:fld id="{B87E87A3-17E7-47D1-91ED-CED11AD9B4A0}" type="datetimeFigureOut">
               <a:rPr lang="de-DE" smtClean="0"/>
-              <a:t>12.03.2021</a:t>
+              <a:t>13.03.2021</a:t>
             </a:fld>
             <a:endParaRPr lang="de-DE"/>
           </a:p>
@@ -1152,7 +1153,7 @@
           <a:p>
             <a:fld id="{B87E87A3-17E7-47D1-91ED-CED11AD9B4A0}" type="datetimeFigureOut">
               <a:rPr lang="de-DE" smtClean="0"/>
-              <a:t>12.03.2021</a:t>
+              <a:t>13.03.2021</a:t>
             </a:fld>
             <a:endParaRPr lang="de-DE"/>
           </a:p>
@@ -1417,7 +1418,7 @@
           <a:p>
             <a:fld id="{B87E87A3-17E7-47D1-91ED-CED11AD9B4A0}" type="datetimeFigureOut">
               <a:rPr lang="de-DE" smtClean="0"/>
-              <a:t>12.03.2021</a:t>
+              <a:t>13.03.2021</a:t>
             </a:fld>
             <a:endParaRPr lang="de-DE"/>
           </a:p>
@@ -1829,7 +1830,7 @@
           <a:p>
             <a:fld id="{B87E87A3-17E7-47D1-91ED-CED11AD9B4A0}" type="datetimeFigureOut">
               <a:rPr lang="de-DE" smtClean="0"/>
-              <a:t>12.03.2021</a:t>
+              <a:t>13.03.2021</a:t>
             </a:fld>
             <a:endParaRPr lang="de-DE"/>
           </a:p>
@@ -1970,7 +1971,7 @@
           <a:p>
             <a:fld id="{B87E87A3-17E7-47D1-91ED-CED11AD9B4A0}" type="datetimeFigureOut">
               <a:rPr lang="de-DE" smtClean="0"/>
-              <a:t>12.03.2021</a:t>
+              <a:t>13.03.2021</a:t>
             </a:fld>
             <a:endParaRPr lang="de-DE"/>
           </a:p>
@@ -2083,7 +2084,7 @@
           <a:p>
             <a:fld id="{B87E87A3-17E7-47D1-91ED-CED11AD9B4A0}" type="datetimeFigureOut">
               <a:rPr lang="de-DE" smtClean="0"/>
-              <a:t>12.03.2021</a:t>
+              <a:t>13.03.2021</a:t>
             </a:fld>
             <a:endParaRPr lang="de-DE"/>
           </a:p>
@@ -2394,7 +2395,7 @@
           <a:p>
             <a:fld id="{B87E87A3-17E7-47D1-91ED-CED11AD9B4A0}" type="datetimeFigureOut">
               <a:rPr lang="de-DE" smtClean="0"/>
-              <a:t>12.03.2021</a:t>
+              <a:t>13.03.2021</a:t>
             </a:fld>
             <a:endParaRPr lang="de-DE"/>
           </a:p>
@@ -2682,7 +2683,7 @@
           <a:p>
             <a:fld id="{B87E87A3-17E7-47D1-91ED-CED11AD9B4A0}" type="datetimeFigureOut">
               <a:rPr lang="de-DE" smtClean="0"/>
-              <a:t>12.03.2021</a:t>
+              <a:t>13.03.2021</a:t>
             </a:fld>
             <a:endParaRPr lang="de-DE"/>
           </a:p>
@@ -2923,7 +2924,7 @@
           <a:p>
             <a:fld id="{B87E87A3-17E7-47D1-91ED-CED11AD9B4A0}" type="datetimeFigureOut">
               <a:rPr lang="de-DE" smtClean="0"/>
-              <a:t>12.03.2021</a:t>
+              <a:t>13.03.2021</a:t>
             </a:fld>
             <a:endParaRPr lang="de-DE"/>
           </a:p>
@@ -7041,6 +7042,853 @@
     <p:extLst>
       <p:ext uri="{BB962C8B-B14F-4D97-AF65-F5344CB8AC3E}">
         <p14:creationId xmlns:p14="http://schemas.microsoft.com/office/powerpoint/2010/main" val="1339466901"/>
+      </p:ext>
+    </p:extLst>
+  </p:cSld>
+  <p:clrMapOvr>
+    <a:masterClrMapping/>
+  </p:clrMapOvr>
+</p:sld>
+</file>
+
+<file path=ppt/slides/slide4.xml><?xml version="1.0" encoding="utf-8"?>
+<p:sld xmlns:a="http://schemas.openxmlformats.org/drawingml/2006/main" xmlns:r="http://schemas.openxmlformats.org/officeDocument/2006/relationships" xmlns:p="http://schemas.openxmlformats.org/presentationml/2006/main">
+  <p:cSld>
+    <p:spTree>
+      <p:nvGrpSpPr>
+        <p:cNvPr id="1" name=""/>
+        <p:cNvGrpSpPr/>
+        <p:nvPr/>
+      </p:nvGrpSpPr>
+      <p:grpSpPr>
+        <a:xfrm>
+          <a:off x="0" y="0"/>
+          <a:ext cx="0" cy="0"/>
+          <a:chOff x="0" y="0"/>
+          <a:chExt cx="0" cy="0"/>
+        </a:xfrm>
+      </p:grpSpPr>
+      <p:sp>
+        <p:nvSpPr>
+          <p:cNvPr id="5" name="Rechteck 4">
+            <a:extLst>
+              <a:ext uri="{FF2B5EF4-FFF2-40B4-BE49-F238E27FC236}">
+                <a16:creationId xmlns:a16="http://schemas.microsoft.com/office/drawing/2014/main" id="{6C1B48F1-BAC8-425A-A4EE-4EF9E0A9E76C}"/>
+              </a:ext>
+            </a:extLst>
+          </p:cNvPr>
+          <p:cNvSpPr/>
+          <p:nvPr/>
+        </p:nvSpPr>
+        <p:spPr>
+          <a:xfrm>
+            <a:off x="1575158" y="4410866"/>
+            <a:ext cx="3561919" cy="784431"/>
+          </a:xfrm>
+          <a:prstGeom prst="rect">
+            <a:avLst/>
+          </a:prstGeom>
+        </p:spPr>
+        <p:style>
+          <a:lnRef idx="1">
+            <a:schemeClr val="accent3"/>
+          </a:lnRef>
+          <a:fillRef idx="2">
+            <a:schemeClr val="accent3"/>
+          </a:fillRef>
+          <a:effectRef idx="1">
+            <a:schemeClr val="accent3"/>
+          </a:effectRef>
+          <a:fontRef idx="minor">
+            <a:schemeClr val="dk1"/>
+          </a:fontRef>
+        </p:style>
+        <p:txBody>
+          <a:bodyPr rtlCol="0" anchor="ctr"/>
+          <a:lstStyle/>
+          <a:p>
+            <a:pPr algn="ctr"/>
+            <a:r>
+              <a:rPr lang="de-DE" b="1" dirty="0"/>
+              <a:t>	MySQL - Database</a:t>
+            </a:r>
+          </a:p>
+        </p:txBody>
+      </p:sp>
+      <p:sp>
+        <p:nvSpPr>
+          <p:cNvPr id="7" name="Rechteck 6">
+            <a:extLst>
+              <a:ext uri="{FF2B5EF4-FFF2-40B4-BE49-F238E27FC236}">
+                <a16:creationId xmlns:a16="http://schemas.microsoft.com/office/drawing/2014/main" id="{69127329-27F6-466E-8444-4E6176DC661D}"/>
+              </a:ext>
+            </a:extLst>
+          </p:cNvPr>
+          <p:cNvSpPr/>
+          <p:nvPr/>
+        </p:nvSpPr>
+        <p:spPr>
+          <a:xfrm>
+            <a:off x="1575157" y="2858616"/>
+            <a:ext cx="3561919" cy="784431"/>
+          </a:xfrm>
+          <a:prstGeom prst="rect">
+            <a:avLst/>
+          </a:prstGeom>
+        </p:spPr>
+        <p:style>
+          <a:lnRef idx="1">
+            <a:schemeClr val="accent3"/>
+          </a:lnRef>
+          <a:fillRef idx="2">
+            <a:schemeClr val="accent3"/>
+          </a:fillRef>
+          <a:effectRef idx="1">
+            <a:schemeClr val="accent3"/>
+          </a:effectRef>
+          <a:fontRef idx="minor">
+            <a:schemeClr val="dk1"/>
+          </a:fontRef>
+        </p:style>
+        <p:txBody>
+          <a:bodyPr rtlCol="0" anchor="ctr"/>
+          <a:lstStyle/>
+          <a:p>
+            <a:pPr algn="ctr"/>
+            <a:r>
+              <a:rPr lang="de-DE" b="1" dirty="0"/>
+              <a:t>	Fresh Planner – Server</a:t>
+            </a:r>
+          </a:p>
+          <a:p>
+            <a:pPr algn="ctr"/>
+            <a:r>
+              <a:rPr lang="de-DE" b="1" dirty="0"/>
+              <a:t> 	(Spring Boot)</a:t>
+            </a:r>
+          </a:p>
+        </p:txBody>
+      </p:sp>
+      <p:sp>
+        <p:nvSpPr>
+          <p:cNvPr id="8" name="Rechteck 7">
+            <a:extLst>
+              <a:ext uri="{FF2B5EF4-FFF2-40B4-BE49-F238E27FC236}">
+                <a16:creationId xmlns:a16="http://schemas.microsoft.com/office/drawing/2014/main" id="{E0BAE6F8-8186-4036-AF1F-22BC6EB40C2B}"/>
+              </a:ext>
+            </a:extLst>
+          </p:cNvPr>
+          <p:cNvSpPr/>
+          <p:nvPr/>
+        </p:nvSpPr>
+        <p:spPr>
+          <a:xfrm>
+            <a:off x="1575157" y="1309851"/>
+            <a:ext cx="3561919" cy="784431"/>
+          </a:xfrm>
+          <a:prstGeom prst="rect">
+            <a:avLst/>
+          </a:prstGeom>
+        </p:spPr>
+        <p:style>
+          <a:lnRef idx="1">
+            <a:schemeClr val="accent3"/>
+          </a:lnRef>
+          <a:fillRef idx="2">
+            <a:schemeClr val="accent3"/>
+          </a:fillRef>
+          <a:effectRef idx="1">
+            <a:schemeClr val="accent3"/>
+          </a:effectRef>
+          <a:fontRef idx="minor">
+            <a:schemeClr val="dk1"/>
+          </a:fontRef>
+        </p:style>
+        <p:txBody>
+          <a:bodyPr rtlCol="0" anchor="ctr"/>
+          <a:lstStyle/>
+          <a:p>
+            <a:pPr algn="ctr"/>
+            <a:r>
+              <a:rPr lang="de-DE" b="1" dirty="0"/>
+              <a:t>	Fresh Planner – Frontend</a:t>
+            </a:r>
+          </a:p>
+          <a:p>
+            <a:pPr algn="ctr"/>
+            <a:r>
+              <a:rPr lang="de-DE" b="1" dirty="0"/>
+              <a:t>	(Angular)</a:t>
+            </a:r>
+          </a:p>
+        </p:txBody>
+      </p:sp>
+      <p:pic>
+        <p:nvPicPr>
+          <p:cNvPr id="10" name="Grafik 9" descr="Datenbank">
+            <a:extLst>
+              <a:ext uri="{FF2B5EF4-FFF2-40B4-BE49-F238E27FC236}">
+                <a16:creationId xmlns:a16="http://schemas.microsoft.com/office/drawing/2014/main" id="{4A248920-AF1B-4AF8-A5BA-F9142E3BAF1B}"/>
+              </a:ext>
+            </a:extLst>
+          </p:cNvPr>
+          <p:cNvPicPr>
+            <a:picLocks noChangeAspect="1"/>
+          </p:cNvPicPr>
+          <p:nvPr/>
+        </p:nvPicPr>
+        <p:blipFill>
+          <a:blip r:embed="rId2">
+            <a:extLst>
+              <a:ext uri="{28A0092B-C50C-407E-A947-70E740481C1C}">
+                <a14:useLocalDpi xmlns:a14="http://schemas.microsoft.com/office/drawing/2010/main" val="0"/>
+              </a:ext>
+              <a:ext uri="{96DAC541-7B7A-43D3-8B79-37D633B846F1}">
+                <asvg:svgBlip xmlns:asvg="http://schemas.microsoft.com/office/drawing/2016/SVG/main" r:embed="rId3"/>
+              </a:ext>
+            </a:extLst>
+          </a:blip>
+          <a:stretch>
+            <a:fillRect/>
+          </a:stretch>
+        </p:blipFill>
+        <p:spPr>
+          <a:xfrm>
+            <a:off x="1832012" y="4450228"/>
+            <a:ext cx="705705" cy="705705"/>
+          </a:xfrm>
+          <a:prstGeom prst="rect">
+            <a:avLst/>
+          </a:prstGeom>
+        </p:spPr>
+      </p:pic>
+      <p:pic>
+        <p:nvPicPr>
+          <p:cNvPr id="12" name="Grafik 11" descr="Monitor">
+            <a:extLst>
+              <a:ext uri="{FF2B5EF4-FFF2-40B4-BE49-F238E27FC236}">
+                <a16:creationId xmlns:a16="http://schemas.microsoft.com/office/drawing/2014/main" id="{7570045E-30EF-4087-A30F-E3512CF327A8}"/>
+              </a:ext>
+            </a:extLst>
+          </p:cNvPr>
+          <p:cNvPicPr>
+            <a:picLocks noChangeAspect="1"/>
+          </p:cNvPicPr>
+          <p:nvPr/>
+        </p:nvPicPr>
+        <p:blipFill>
+          <a:blip r:embed="rId4">
+            <a:extLst>
+              <a:ext uri="{28A0092B-C50C-407E-A947-70E740481C1C}">
+                <a14:useLocalDpi xmlns:a14="http://schemas.microsoft.com/office/drawing/2010/main" val="0"/>
+              </a:ext>
+              <a:ext uri="{96DAC541-7B7A-43D3-8B79-37D633B846F1}">
+                <asvg:svgBlip xmlns:asvg="http://schemas.microsoft.com/office/drawing/2016/SVG/main" r:embed="rId5"/>
+              </a:ext>
+            </a:extLst>
+          </a:blip>
+          <a:stretch>
+            <a:fillRect/>
+          </a:stretch>
+        </p:blipFill>
+        <p:spPr>
+          <a:xfrm>
+            <a:off x="1832012" y="1369763"/>
+            <a:ext cx="664608" cy="664608"/>
+          </a:xfrm>
+          <a:prstGeom prst="rect">
+            <a:avLst/>
+          </a:prstGeom>
+        </p:spPr>
+      </p:pic>
+      <p:pic>
+        <p:nvPicPr>
+          <p:cNvPr id="14" name="Grafik 13" descr="Server">
+            <a:extLst>
+              <a:ext uri="{FF2B5EF4-FFF2-40B4-BE49-F238E27FC236}">
+                <a16:creationId xmlns:a16="http://schemas.microsoft.com/office/drawing/2014/main" id="{F4B4458C-1186-496B-84EF-6FEB7BAE0E64}"/>
+              </a:ext>
+            </a:extLst>
+          </p:cNvPr>
+          <p:cNvPicPr>
+            <a:picLocks noChangeAspect="1"/>
+          </p:cNvPicPr>
+          <p:nvPr/>
+        </p:nvPicPr>
+        <p:blipFill>
+          <a:blip r:embed="rId6">
+            <a:extLst>
+              <a:ext uri="{28A0092B-C50C-407E-A947-70E740481C1C}">
+                <a14:useLocalDpi xmlns:a14="http://schemas.microsoft.com/office/drawing/2010/main" val="0"/>
+              </a:ext>
+              <a:ext uri="{96DAC541-7B7A-43D3-8B79-37D633B846F1}">
+                <asvg:svgBlip xmlns:asvg="http://schemas.microsoft.com/office/drawing/2016/SVG/main" r:embed="rId7"/>
+              </a:ext>
+            </a:extLst>
+          </a:blip>
+          <a:stretch>
+            <a:fillRect/>
+          </a:stretch>
+        </p:blipFill>
+        <p:spPr>
+          <a:xfrm>
+            <a:off x="1825373" y="2916951"/>
+            <a:ext cx="671247" cy="671247"/>
+          </a:xfrm>
+          <a:prstGeom prst="rect">
+            <a:avLst/>
+          </a:prstGeom>
+        </p:spPr>
+      </p:pic>
+      <p:sp>
+        <p:nvSpPr>
+          <p:cNvPr id="15" name="Rechteck 14">
+            <a:extLst>
+              <a:ext uri="{FF2B5EF4-FFF2-40B4-BE49-F238E27FC236}">
+                <a16:creationId xmlns:a16="http://schemas.microsoft.com/office/drawing/2014/main" id="{9E24F68F-8E3E-423C-B582-F890CB2FC65A}"/>
+              </a:ext>
+            </a:extLst>
+          </p:cNvPr>
+          <p:cNvSpPr/>
+          <p:nvPr/>
+        </p:nvSpPr>
+        <p:spPr>
+          <a:xfrm>
+            <a:off x="5914265" y="4410866"/>
+            <a:ext cx="856405" cy="784431"/>
+          </a:xfrm>
+          <a:prstGeom prst="rect">
+            <a:avLst/>
+          </a:prstGeom>
+          <a:solidFill>
+            <a:schemeClr val="bg1">
+              <a:lumMod val="65000"/>
+            </a:schemeClr>
+          </a:solidFill>
+        </p:spPr>
+        <p:style>
+          <a:lnRef idx="1">
+            <a:schemeClr val="accent3"/>
+          </a:lnRef>
+          <a:fillRef idx="2">
+            <a:schemeClr val="accent3"/>
+          </a:fillRef>
+          <a:effectRef idx="1">
+            <a:schemeClr val="accent3"/>
+          </a:effectRef>
+          <a:fontRef idx="minor">
+            <a:schemeClr val="dk1"/>
+          </a:fontRef>
+        </p:style>
+        <p:txBody>
+          <a:bodyPr rtlCol="0" anchor="ctr"/>
+          <a:lstStyle/>
+          <a:p>
+            <a:pPr algn="ctr"/>
+            <a:r>
+              <a:rPr lang="de-DE" b="1" dirty="0"/>
+              <a:t>Port:</a:t>
+            </a:r>
+          </a:p>
+          <a:p>
+            <a:pPr algn="ctr"/>
+            <a:r>
+              <a:rPr lang="de-DE" b="1" dirty="0"/>
+              <a:t>3306</a:t>
+            </a:r>
+          </a:p>
+        </p:txBody>
+      </p:sp>
+      <p:sp>
+        <p:nvSpPr>
+          <p:cNvPr id="16" name="Rechteck 15">
+            <a:extLst>
+              <a:ext uri="{FF2B5EF4-FFF2-40B4-BE49-F238E27FC236}">
+                <a16:creationId xmlns:a16="http://schemas.microsoft.com/office/drawing/2014/main" id="{57F54AAB-F749-42FE-BAB0-866F7816448C}"/>
+              </a:ext>
+            </a:extLst>
+          </p:cNvPr>
+          <p:cNvSpPr/>
+          <p:nvPr/>
+        </p:nvSpPr>
+        <p:spPr>
+          <a:xfrm>
+            <a:off x="5914264" y="2858615"/>
+            <a:ext cx="856405" cy="784431"/>
+          </a:xfrm>
+          <a:prstGeom prst="rect">
+            <a:avLst/>
+          </a:prstGeom>
+          <a:solidFill>
+            <a:schemeClr val="bg1">
+              <a:lumMod val="65000"/>
+            </a:schemeClr>
+          </a:solidFill>
+        </p:spPr>
+        <p:style>
+          <a:lnRef idx="1">
+            <a:schemeClr val="accent3"/>
+          </a:lnRef>
+          <a:fillRef idx="2">
+            <a:schemeClr val="accent3"/>
+          </a:fillRef>
+          <a:effectRef idx="1">
+            <a:schemeClr val="accent3"/>
+          </a:effectRef>
+          <a:fontRef idx="minor">
+            <a:schemeClr val="dk1"/>
+          </a:fontRef>
+        </p:style>
+        <p:txBody>
+          <a:bodyPr rtlCol="0" anchor="ctr"/>
+          <a:lstStyle/>
+          <a:p>
+            <a:pPr algn="ctr"/>
+            <a:r>
+              <a:rPr lang="de-DE" b="1" dirty="0"/>
+              <a:t>Port:</a:t>
+            </a:r>
+          </a:p>
+          <a:p>
+            <a:pPr algn="ctr"/>
+            <a:r>
+              <a:rPr lang="de-DE" b="1" dirty="0"/>
+              <a:t>8080</a:t>
+            </a:r>
+          </a:p>
+        </p:txBody>
+      </p:sp>
+      <p:sp>
+        <p:nvSpPr>
+          <p:cNvPr id="17" name="Rechteck 16">
+            <a:extLst>
+              <a:ext uri="{FF2B5EF4-FFF2-40B4-BE49-F238E27FC236}">
+                <a16:creationId xmlns:a16="http://schemas.microsoft.com/office/drawing/2014/main" id="{83C95625-DD4A-4D74-8B71-E3D104E56567}"/>
+              </a:ext>
+            </a:extLst>
+          </p:cNvPr>
+          <p:cNvSpPr/>
+          <p:nvPr/>
+        </p:nvSpPr>
+        <p:spPr>
+          <a:xfrm>
+            <a:off x="5914264" y="1309851"/>
+            <a:ext cx="856405" cy="784431"/>
+          </a:xfrm>
+          <a:prstGeom prst="rect">
+            <a:avLst/>
+          </a:prstGeom>
+          <a:solidFill>
+            <a:schemeClr val="bg1">
+              <a:lumMod val="65000"/>
+            </a:schemeClr>
+          </a:solidFill>
+        </p:spPr>
+        <p:style>
+          <a:lnRef idx="1">
+            <a:schemeClr val="accent3"/>
+          </a:lnRef>
+          <a:fillRef idx="2">
+            <a:schemeClr val="accent3"/>
+          </a:fillRef>
+          <a:effectRef idx="1">
+            <a:schemeClr val="accent3"/>
+          </a:effectRef>
+          <a:fontRef idx="minor">
+            <a:schemeClr val="dk1"/>
+          </a:fontRef>
+        </p:style>
+        <p:txBody>
+          <a:bodyPr rtlCol="0" anchor="ctr"/>
+          <a:lstStyle/>
+          <a:p>
+            <a:pPr algn="ctr"/>
+            <a:r>
+              <a:rPr lang="de-DE" b="1" dirty="0"/>
+              <a:t>Port:</a:t>
+            </a:r>
+          </a:p>
+          <a:p>
+            <a:pPr algn="ctr"/>
+            <a:r>
+              <a:rPr lang="de-DE" b="1" dirty="0"/>
+              <a:t>4200</a:t>
+            </a:r>
+          </a:p>
+        </p:txBody>
+      </p:sp>
+      <p:cxnSp>
+        <p:nvCxnSpPr>
+          <p:cNvPr id="19" name="Gerade Verbindung mit Pfeil 18">
+            <a:extLst>
+              <a:ext uri="{FF2B5EF4-FFF2-40B4-BE49-F238E27FC236}">
+                <a16:creationId xmlns:a16="http://schemas.microsoft.com/office/drawing/2014/main" id="{1242B016-0ECB-4A0D-95F6-1D92D1CDC41E}"/>
+              </a:ext>
+            </a:extLst>
+          </p:cNvPr>
+          <p:cNvCxnSpPr>
+            <a:stCxn id="8" idx="3"/>
+            <a:endCxn id="17" idx="1"/>
+          </p:cNvCxnSpPr>
+          <p:nvPr/>
+        </p:nvCxnSpPr>
+        <p:spPr>
+          <a:xfrm>
+            <a:off x="5137076" y="1702067"/>
+            <a:ext cx="777188" cy="0"/>
+          </a:xfrm>
+          <a:prstGeom prst="straightConnector1">
+            <a:avLst/>
+          </a:prstGeom>
+          <a:ln>
+            <a:headEnd type="none"/>
+            <a:tailEnd type="none"/>
+          </a:ln>
+        </p:spPr>
+        <p:style>
+          <a:lnRef idx="3">
+            <a:schemeClr val="dk1"/>
+          </a:lnRef>
+          <a:fillRef idx="0">
+            <a:schemeClr val="dk1"/>
+          </a:fillRef>
+          <a:effectRef idx="2">
+            <a:schemeClr val="dk1"/>
+          </a:effectRef>
+          <a:fontRef idx="minor">
+            <a:schemeClr val="tx1"/>
+          </a:fontRef>
+        </p:style>
+      </p:cxnSp>
+      <p:cxnSp>
+        <p:nvCxnSpPr>
+          <p:cNvPr id="21" name="Gerade Verbindung mit Pfeil 20">
+            <a:extLst>
+              <a:ext uri="{FF2B5EF4-FFF2-40B4-BE49-F238E27FC236}">
+                <a16:creationId xmlns:a16="http://schemas.microsoft.com/office/drawing/2014/main" id="{0D3492C1-AC3F-4FF9-A1DB-178E0B9EE927}"/>
+              </a:ext>
+            </a:extLst>
+          </p:cNvPr>
+          <p:cNvCxnSpPr>
+            <a:stCxn id="7" idx="3"/>
+            <a:endCxn id="16" idx="1"/>
+          </p:cNvCxnSpPr>
+          <p:nvPr/>
+        </p:nvCxnSpPr>
+        <p:spPr>
+          <a:xfrm flipV="1">
+            <a:off x="5137076" y="3250831"/>
+            <a:ext cx="777188" cy="1"/>
+          </a:xfrm>
+          <a:prstGeom prst="straightConnector1">
+            <a:avLst/>
+          </a:prstGeom>
+          <a:ln>
+            <a:headEnd type="none"/>
+            <a:tailEnd type="none"/>
+          </a:ln>
+        </p:spPr>
+        <p:style>
+          <a:lnRef idx="3">
+            <a:schemeClr val="dk1"/>
+          </a:lnRef>
+          <a:fillRef idx="0">
+            <a:schemeClr val="dk1"/>
+          </a:fillRef>
+          <a:effectRef idx="2">
+            <a:schemeClr val="dk1"/>
+          </a:effectRef>
+          <a:fontRef idx="minor">
+            <a:schemeClr val="tx1"/>
+          </a:fontRef>
+        </p:style>
+      </p:cxnSp>
+      <p:cxnSp>
+        <p:nvCxnSpPr>
+          <p:cNvPr id="23" name="Gerade Verbindung mit Pfeil 22">
+            <a:extLst>
+              <a:ext uri="{FF2B5EF4-FFF2-40B4-BE49-F238E27FC236}">
+                <a16:creationId xmlns:a16="http://schemas.microsoft.com/office/drawing/2014/main" id="{FCEEE341-BE57-4282-B830-052F36306152}"/>
+              </a:ext>
+            </a:extLst>
+          </p:cNvPr>
+          <p:cNvCxnSpPr>
+            <a:stCxn id="5" idx="3"/>
+            <a:endCxn id="15" idx="1"/>
+          </p:cNvCxnSpPr>
+          <p:nvPr/>
+        </p:nvCxnSpPr>
+        <p:spPr>
+          <a:xfrm>
+            <a:off x="5137077" y="4803082"/>
+            <a:ext cx="777188" cy="0"/>
+          </a:xfrm>
+          <a:prstGeom prst="straightConnector1">
+            <a:avLst/>
+          </a:prstGeom>
+          <a:ln>
+            <a:headEnd type="none"/>
+            <a:tailEnd type="none"/>
+          </a:ln>
+        </p:spPr>
+        <p:style>
+          <a:lnRef idx="3">
+            <a:schemeClr val="dk1"/>
+          </a:lnRef>
+          <a:fillRef idx="0">
+            <a:schemeClr val="dk1"/>
+          </a:fillRef>
+          <a:effectRef idx="2">
+            <a:schemeClr val="dk1"/>
+          </a:effectRef>
+          <a:fontRef idx="minor">
+            <a:schemeClr val="tx1"/>
+          </a:fontRef>
+        </p:style>
+      </p:cxnSp>
+      <p:cxnSp>
+        <p:nvCxnSpPr>
+          <p:cNvPr id="24" name="Gerade Verbindung mit Pfeil 23">
+            <a:extLst>
+              <a:ext uri="{FF2B5EF4-FFF2-40B4-BE49-F238E27FC236}">
+                <a16:creationId xmlns:a16="http://schemas.microsoft.com/office/drawing/2014/main" id="{3A6C9AE8-5673-4034-8D17-CECED92C552A}"/>
+              </a:ext>
+            </a:extLst>
+          </p:cNvPr>
+          <p:cNvCxnSpPr>
+            <a:cxnSpLocks/>
+            <a:stCxn id="16" idx="2"/>
+            <a:endCxn id="15" idx="0"/>
+          </p:cNvCxnSpPr>
+          <p:nvPr/>
+        </p:nvCxnSpPr>
+        <p:spPr>
+          <a:xfrm>
+            <a:off x="6342467" y="3643046"/>
+            <a:ext cx="1" cy="767820"/>
+          </a:xfrm>
+          <a:prstGeom prst="straightConnector1">
+            <a:avLst/>
+          </a:prstGeom>
+          <a:ln>
+            <a:headEnd type="triangle"/>
+            <a:tailEnd type="triangle"/>
+          </a:ln>
+        </p:spPr>
+        <p:style>
+          <a:lnRef idx="3">
+            <a:schemeClr val="dk1"/>
+          </a:lnRef>
+          <a:fillRef idx="0">
+            <a:schemeClr val="dk1"/>
+          </a:fillRef>
+          <a:effectRef idx="2">
+            <a:schemeClr val="dk1"/>
+          </a:effectRef>
+          <a:fontRef idx="minor">
+            <a:schemeClr val="tx1"/>
+          </a:fontRef>
+        </p:style>
+      </p:cxnSp>
+      <p:cxnSp>
+        <p:nvCxnSpPr>
+          <p:cNvPr id="27" name="Gerade Verbindung mit Pfeil 26">
+            <a:extLst>
+              <a:ext uri="{FF2B5EF4-FFF2-40B4-BE49-F238E27FC236}">
+                <a16:creationId xmlns:a16="http://schemas.microsoft.com/office/drawing/2014/main" id="{20DB7F08-9D00-415F-AA3A-7903156FF56E}"/>
+              </a:ext>
+            </a:extLst>
+          </p:cNvPr>
+          <p:cNvCxnSpPr>
+            <a:cxnSpLocks/>
+            <a:stCxn id="17" idx="2"/>
+            <a:endCxn id="16" idx="0"/>
+          </p:cNvCxnSpPr>
+          <p:nvPr/>
+        </p:nvCxnSpPr>
+        <p:spPr>
+          <a:xfrm>
+            <a:off x="6342467" y="2094282"/>
+            <a:ext cx="0" cy="764333"/>
+          </a:xfrm>
+          <a:prstGeom prst="straightConnector1">
+            <a:avLst/>
+          </a:prstGeom>
+          <a:ln>
+            <a:headEnd type="triangle"/>
+            <a:tailEnd type="triangle"/>
+          </a:ln>
+        </p:spPr>
+        <p:style>
+          <a:lnRef idx="3">
+            <a:schemeClr val="dk1"/>
+          </a:lnRef>
+          <a:fillRef idx="0">
+            <a:schemeClr val="dk1"/>
+          </a:fillRef>
+          <a:effectRef idx="2">
+            <a:schemeClr val="dk1"/>
+          </a:effectRef>
+          <a:fontRef idx="minor">
+            <a:schemeClr val="tx1"/>
+          </a:fontRef>
+        </p:style>
+      </p:cxnSp>
+      <p:sp>
+        <p:nvSpPr>
+          <p:cNvPr id="30" name="Textfeld 29">
+            <a:extLst>
+              <a:ext uri="{FF2B5EF4-FFF2-40B4-BE49-F238E27FC236}">
+                <a16:creationId xmlns:a16="http://schemas.microsoft.com/office/drawing/2014/main" id="{CB9113D4-6636-4EBE-A7F8-C73DD4CBF662}"/>
+              </a:ext>
+            </a:extLst>
+          </p:cNvPr>
+          <p:cNvSpPr txBox="1"/>
+          <p:nvPr/>
+        </p:nvSpPr>
+        <p:spPr>
+          <a:xfrm>
+            <a:off x="5163041" y="2281734"/>
+            <a:ext cx="1179425" cy="369332"/>
+          </a:xfrm>
+          <a:prstGeom prst="rect">
+            <a:avLst/>
+          </a:prstGeom>
+          <a:noFill/>
+        </p:spPr>
+        <p:txBody>
+          <a:bodyPr wrap="none" rtlCol="0">
+            <a:spAutoFit/>
+          </a:bodyPr>
+          <a:lstStyle/>
+          <a:p>
+            <a:r>
+              <a:rPr lang="de-DE" dirty="0"/>
+              <a:t>REST HTTP</a:t>
+            </a:r>
+          </a:p>
+        </p:txBody>
+      </p:sp>
+      <p:sp>
+        <p:nvSpPr>
+          <p:cNvPr id="31" name="Textfeld 30">
+            <a:extLst>
+              <a:ext uri="{FF2B5EF4-FFF2-40B4-BE49-F238E27FC236}">
+                <a16:creationId xmlns:a16="http://schemas.microsoft.com/office/drawing/2014/main" id="{693EA1B7-6264-4B30-B6B4-5A84755B3D2D}"/>
+              </a:ext>
+            </a:extLst>
+          </p:cNvPr>
+          <p:cNvSpPr txBox="1"/>
+          <p:nvPr/>
+        </p:nvSpPr>
+        <p:spPr>
+          <a:xfrm>
+            <a:off x="4520509" y="3830497"/>
+            <a:ext cx="1821957" cy="369332"/>
+          </a:xfrm>
+          <a:prstGeom prst="rect">
+            <a:avLst/>
+          </a:prstGeom>
+          <a:noFill/>
+        </p:spPr>
+        <p:txBody>
+          <a:bodyPr wrap="square" rtlCol="0">
+            <a:spAutoFit/>
+          </a:bodyPr>
+          <a:lstStyle/>
+          <a:p>
+            <a:r>
+              <a:rPr lang="de-DE" dirty="0"/>
+              <a:t>JDBC + Hibernate</a:t>
+            </a:r>
+          </a:p>
+        </p:txBody>
+      </p:sp>
+      <p:pic>
+        <p:nvPicPr>
+          <p:cNvPr id="33" name="Grafik 32" descr="Mann">
+            <a:extLst>
+              <a:ext uri="{FF2B5EF4-FFF2-40B4-BE49-F238E27FC236}">
+                <a16:creationId xmlns:a16="http://schemas.microsoft.com/office/drawing/2014/main" id="{A4E48325-E356-4309-A1CC-FCFAAAA91274}"/>
+              </a:ext>
+            </a:extLst>
+          </p:cNvPr>
+          <p:cNvPicPr>
+            <a:picLocks noChangeAspect="1"/>
+          </p:cNvPicPr>
+          <p:nvPr/>
+        </p:nvPicPr>
+        <p:blipFill>
+          <a:blip r:embed="rId8">
+            <a:extLst>
+              <a:ext uri="{28A0092B-C50C-407E-A947-70E740481C1C}">
+                <a14:useLocalDpi xmlns:a14="http://schemas.microsoft.com/office/drawing/2010/main" val="0"/>
+              </a:ext>
+              <a:ext uri="{96DAC541-7B7A-43D3-8B79-37D633B846F1}">
+                <asvg:svgBlip xmlns:asvg="http://schemas.microsoft.com/office/drawing/2016/SVG/main" r:embed="rId9"/>
+              </a:ext>
+            </a:extLst>
+          </a:blip>
+          <a:stretch>
+            <a:fillRect/>
+          </a:stretch>
+        </p:blipFill>
+        <p:spPr>
+          <a:xfrm>
+            <a:off x="7547857" y="1244866"/>
+            <a:ext cx="914400" cy="914400"/>
+          </a:xfrm>
+          <a:prstGeom prst="rect">
+            <a:avLst/>
+          </a:prstGeom>
+        </p:spPr>
+      </p:pic>
+      <p:cxnSp>
+        <p:nvCxnSpPr>
+          <p:cNvPr id="35" name="Gerade Verbindung mit Pfeil 34">
+            <a:extLst>
+              <a:ext uri="{FF2B5EF4-FFF2-40B4-BE49-F238E27FC236}">
+                <a16:creationId xmlns:a16="http://schemas.microsoft.com/office/drawing/2014/main" id="{24595ECE-7403-4314-865C-02BFF5CC7045}"/>
+              </a:ext>
+            </a:extLst>
+          </p:cNvPr>
+          <p:cNvCxnSpPr>
+            <a:stCxn id="33" idx="1"/>
+            <a:endCxn id="17" idx="3"/>
+          </p:cNvCxnSpPr>
+          <p:nvPr/>
+        </p:nvCxnSpPr>
+        <p:spPr>
+          <a:xfrm flipH="1">
+            <a:off x="6770669" y="1702066"/>
+            <a:ext cx="777188" cy="1"/>
+          </a:xfrm>
+          <a:prstGeom prst="straightConnector1">
+            <a:avLst/>
+          </a:prstGeom>
+          <a:ln>
+            <a:tailEnd type="triangle"/>
+          </a:ln>
+        </p:spPr>
+        <p:style>
+          <a:lnRef idx="3">
+            <a:schemeClr val="dk1"/>
+          </a:lnRef>
+          <a:fillRef idx="0">
+            <a:schemeClr val="dk1"/>
+          </a:fillRef>
+          <a:effectRef idx="2">
+            <a:schemeClr val="dk1"/>
+          </a:effectRef>
+          <a:fontRef idx="minor">
+            <a:schemeClr val="tx1"/>
+          </a:fontRef>
+        </p:style>
+      </p:cxnSp>
+    </p:spTree>
+    <p:extLst>
+      <p:ext uri="{BB962C8B-B14F-4D97-AF65-F5344CB8AC3E}">
+        <p14:creationId xmlns:p14="http://schemas.microsoft.com/office/powerpoint/2010/main" val="786116641"/>
       </p:ext>
     </p:extLst>
   </p:cSld>
